--- a/clear_water_issue_analysis.pptx
+++ b/clear_water_issue_analysis.pptx
@@ -5,19 +5,18 @@
     <p:sldMasterId id="2147483648" r:id="rId4"/>
   </p:sldMasterIdLst>
   <p:notesMasterIdLst>
-    <p:notesMasterId r:id="rId12"/>
+    <p:notesMasterId r:id="rId11"/>
   </p:notesMasterIdLst>
   <p:handoutMasterIdLst>
-    <p:handoutMasterId r:id="rId13"/>
+    <p:handoutMasterId r:id="rId12"/>
   </p:handoutMasterIdLst>
   <p:sldIdLst>
     <p:sldId id="297" r:id="rId5"/>
     <p:sldId id="279" r:id="rId6"/>
     <p:sldId id="280" r:id="rId7"/>
     <p:sldId id="291" r:id="rId8"/>
-    <p:sldId id="292" r:id="rId9"/>
-    <p:sldId id="298" r:id="rId10"/>
-    <p:sldId id="270" r:id="rId11"/>
+    <p:sldId id="299" r:id="rId9"/>
+    <p:sldId id="270" r:id="rId10"/>
   </p:sldIdLst>
   <p:sldSz cx="12192000" cy="6858000"/>
   <p:notesSz cx="12192000" cy="6858000"/>
@@ -197,10 +196,6 @@
     </p:ext>
   </p:extLst>
 </p:presentation>
-</file>
-
-<file path=ppt/revisionInfo.xml><?xml version="1.0" encoding="utf-8"?>
-<p1510:revInfo xmlns:a="http://schemas.openxmlformats.org/drawingml/2006/main" xmlns:r="http://schemas.openxmlformats.org/officeDocument/2006/relationships" xmlns:p1510="http://schemas.microsoft.com/office/powerpoint/2015/10/main"/>
 </file>
 
 <file path=ppt/handoutMasters/handoutMaster1.xml><?xml version="1.0" encoding="utf-8"?>
@@ -718,6 +713,90 @@
 </p:notesMaster>
 </file>
 
+<file path=ppt/notesSlides/notesSlide1.xml><?xml version="1.0" encoding="utf-8"?>
+<p:notes xmlns:a="http://schemas.openxmlformats.org/drawingml/2006/main" xmlns:r="http://schemas.openxmlformats.org/officeDocument/2006/relationships" xmlns:p="http://schemas.openxmlformats.org/presentationml/2006/main">
+  <p:cSld>
+    <p:spTree>
+      <p:nvGrpSpPr>
+        <p:cNvPr id="1" name=""/>
+        <p:cNvGrpSpPr/>
+        <p:nvPr/>
+      </p:nvGrpSpPr>
+      <p:grpSpPr>
+        <a:xfrm>
+          <a:off x="0" y="0"/>
+          <a:ext cx="0" cy="0"/>
+          <a:chOff x="0" y="0"/>
+          <a:chExt cx="0" cy="0"/>
+        </a:xfrm>
+      </p:grpSpPr>
+      <p:sp>
+        <p:nvSpPr>
+          <p:cNvPr id="2" name="Slide Image Placeholder 1"/>
+          <p:cNvSpPr>
+            <a:spLocks noGrp="1" noRot="1" noChangeAspect="1"/>
+          </p:cNvSpPr>
+          <p:nvPr>
+            <p:ph type="sldImg"/>
+          </p:nvPr>
+        </p:nvSpPr>
+        <p:spPr/>
+      </p:sp>
+      <p:sp>
+        <p:nvSpPr>
+          <p:cNvPr id="3" name="Notes Placeholder 2"/>
+          <p:cNvSpPr>
+            <a:spLocks noGrp="1"/>
+          </p:cNvSpPr>
+          <p:nvPr>
+            <p:ph type="body" idx="1"/>
+          </p:nvPr>
+        </p:nvSpPr>
+        <p:spPr/>
+        <p:txBody>
+          <a:bodyPr/>
+          <a:lstStyle/>
+          <a:p>
+            <a:endParaRPr lang="en-IN" dirty="0"/>
+          </a:p>
+        </p:txBody>
+      </p:sp>
+      <p:sp>
+        <p:nvSpPr>
+          <p:cNvPr id="4" name="Slide Number Placeholder 3"/>
+          <p:cNvSpPr>
+            <a:spLocks noGrp="1"/>
+          </p:cNvSpPr>
+          <p:nvPr>
+            <p:ph type="sldNum" sz="quarter" idx="10"/>
+          </p:nvPr>
+        </p:nvSpPr>
+        <p:spPr/>
+        <p:txBody>
+          <a:bodyPr/>
+          <a:lstStyle/>
+          <a:p>
+            <a:fld id="{7E9718DD-4AAF-4D8A-BA7D-B91CCB27E3C3}" type="slidenum">
+              <a:rPr lang="en-IN" smtClean="0"/>
+              <a:t>3</a:t>
+            </a:fld>
+            <a:endParaRPr lang="en-IN"/>
+          </a:p>
+        </p:txBody>
+      </p:sp>
+    </p:spTree>
+    <p:extLst>
+      <p:ext uri="{BB962C8B-B14F-4D97-AF65-F5344CB8AC3E}">
+        <p14:creationId xmlns:p14="http://schemas.microsoft.com/office/powerpoint/2010/main" val="516811916"/>
+      </p:ext>
+    </p:extLst>
+  </p:cSld>
+  <p:clrMapOvr>
+    <a:masterClrMapping/>
+  </p:clrMapOvr>
+</p:notes>
+</file>
+
 <file path=ppt/slideLayouts/slideLayout1.xml><?xml version="1.0" encoding="utf-8"?>
 <p:sldLayout xmlns:a="http://schemas.openxmlformats.org/drawingml/2006/main" xmlns:r="http://schemas.openxmlformats.org/officeDocument/2006/relationships" xmlns:p="http://schemas.openxmlformats.org/presentationml/2006/main" userDrawn="1">
   <p:cSld name="Cover Slide">
@@ -805,17 +884,16 @@
           <a:p>
             <a:pPr lvl="0"/>
             <a:r>
-              <a:rPr lang="en-US" dirty="0" smtClean="0"/>
+              <a:rPr lang="en-US" dirty="0"/>
               <a:t>Second level</a:t>
             </a:r>
           </a:p>
           <a:p>
             <a:pPr lvl="0"/>
             <a:r>
-              <a:rPr lang="en-US" dirty="0" smtClean="0"/>
+              <a:rPr lang="en-US" dirty="0"/>
               <a:t>Third level</a:t>
             </a:r>
-            <a:endParaRPr lang="en-US" dirty="0"/>
           </a:p>
         </p:txBody>
       </p:sp>
@@ -853,7 +931,7 @@
           <a:p>
             <a:pPr lvl="0"/>
             <a:r>
-              <a:rPr lang="en-US" dirty="0" smtClean="0"/>
+              <a:rPr lang="en-US" dirty="0"/>
               <a:t>Click to edit text</a:t>
             </a:r>
           </a:p>
@@ -1067,10 +1145,9 @@
           <a:p>
             <a:pPr lvl="0"/>
             <a:r>
-              <a:rPr lang="en-US" dirty="0" smtClean="0"/>
+              <a:rPr lang="en-US" dirty="0"/>
               <a:t>Click to edit title text</a:t>
             </a:r>
-            <a:endParaRPr lang="en-US" dirty="0"/>
           </a:p>
         </p:txBody>
       </p:sp>
@@ -1084,13 +1161,6 @@
   <p:clrMapOvr>
     <a:masterClrMapping/>
   </p:clrMapOvr>
-  <p:timing>
-    <p:tnLst>
-      <p:par>
-        <p:cTn id="1" dur="indefinite" restart="never" nodeType="tmRoot"/>
-      </p:par>
-    </p:tnLst>
-  </p:timing>
 </p:sldLayout>
 </file>
 
@@ -2065,7 +2135,7 @@
               <a:t>explicabo</a:t>
             </a:r>
             <a:r>
-              <a:rPr lang="en-US" dirty="0" smtClean="0"/>
+              <a:rPr lang="en-US" dirty="0"/>
               <a:t>.</a:t>
             </a:r>
           </a:p>
@@ -2842,13 +2912,6 @@
   <p:clrMapOvr>
     <a:masterClrMapping/>
   </p:clrMapOvr>
-  <p:timing>
-    <p:tnLst>
-      <p:par>
-        <p:cTn id="1" dur="indefinite" restart="never" nodeType="tmRoot"/>
-      </p:par>
-    </p:tnLst>
-  </p:timing>
 </p:sldLayout>
 </file>
 
@@ -5398,13 +5461,6 @@
   <p:clrMapOvr>
     <a:masterClrMapping/>
   </p:clrMapOvr>
-  <p:timing>
-    <p:tnLst>
-      <p:par>
-        <p:cTn id="1" dur="indefinite" restart="never" nodeType="tmRoot"/>
-      </p:par>
-    </p:tnLst>
-  </p:timing>
 </p:sldLayout>
 </file>
 
@@ -7412,13 +7468,6 @@
   <p:clrMapOvr>
     <a:masterClrMapping/>
   </p:clrMapOvr>
-  <p:timing>
-    <p:tnLst>
-      <p:par>
-        <p:cTn id="1" dur="indefinite" restart="never" nodeType="tmRoot"/>
-      </p:par>
-    </p:tnLst>
-  </p:timing>
 </p:sldLayout>
 </file>
 
@@ -7777,13 +7826,6 @@
   <p:clrMapOvr>
     <a:masterClrMapping/>
   </p:clrMapOvr>
-  <p:timing>
-    <p:tnLst>
-      <p:par>
-        <p:cTn id="1" dur="indefinite" restart="never" nodeType="tmRoot"/>
-      </p:par>
-    </p:tnLst>
-  </p:timing>
 </p:sldLayout>
 </file>
 
@@ -8177,13 +8219,6 @@
   <p:clrMapOvr>
     <a:masterClrMapping/>
   </p:clrMapOvr>
-  <p:timing>
-    <p:tnLst>
-      <p:par>
-        <p:cTn id="1" dur="indefinite" restart="never" nodeType="tmRoot"/>
-      </p:par>
-    </p:tnLst>
-  </p:timing>
 </p:sldLayout>
 </file>
 
@@ -9340,13 +9375,6 @@
   <p:clrMapOvr>
     <a:masterClrMapping/>
   </p:clrMapOvr>
-  <p:timing>
-    <p:tnLst>
-      <p:par>
-        <p:cTn id="1" dur="indefinite" restart="never" nodeType="tmRoot"/>
-      </p:par>
-    </p:tnLst>
-  </p:timing>
   <p:extLst mod="1">
     <p:ext uri="{DCECCB84-F9BA-43D5-87BE-67443E8EF086}">
       <p15:sldGuideLst xmlns:p15="http://schemas.microsoft.com/office/powerpoint/2012/main">
@@ -10441,13 +10469,6 @@
   <p:clrMapOvr>
     <a:masterClrMapping/>
   </p:clrMapOvr>
-  <p:timing>
-    <p:tnLst>
-      <p:par>
-        <p:cTn id="1" dur="indefinite" restart="never" nodeType="tmRoot"/>
-      </p:par>
-    </p:tnLst>
-  </p:timing>
 </p:sldLayout>
 </file>
 
@@ -11526,13 +11547,6 @@
   <p:clrMapOvr>
     <a:masterClrMapping/>
   </p:clrMapOvr>
-  <p:timing>
-    <p:tnLst>
-      <p:par>
-        <p:cTn id="1" dur="indefinite" restart="never" nodeType="tmRoot"/>
-      </p:par>
-    </p:tnLst>
-  </p:timing>
 </p:sldLayout>
 </file>
 
@@ -12857,13 +12871,6 @@
   <p:clrMapOvr>
     <a:masterClrMapping/>
   </p:clrMapOvr>
-  <p:timing>
-    <p:tnLst>
-      <p:par>
-        <p:cTn id="1" dur="indefinite" restart="never" nodeType="tmRoot"/>
-      </p:par>
-    </p:tnLst>
-  </p:timing>
 </p:sldLayout>
 </file>
 
@@ -14370,13 +14377,6 @@
   <p:clrMapOvr>
     <a:masterClrMapping/>
   </p:clrMapOvr>
-  <p:timing>
-    <p:tnLst>
-      <p:par>
-        <p:cTn id="1" dur="indefinite" restart="never" nodeType="tmRoot"/>
-      </p:par>
-    </p:tnLst>
-  </p:timing>
 </p:sldLayout>
 </file>
 
@@ -14841,11 +14841,7 @@
             </a:r>
             <a:r>
               <a:rPr lang="en-US" dirty="0"/>
-              <a:t>						</a:t>
-            </a:r>
-            <a:r>
-              <a:rPr lang="en-US" dirty="0" smtClean="0"/>
-              <a:t>1</a:t>
+              <a:t>						1</a:t>
             </a:r>
           </a:p>
           <a:p>
@@ -14887,13 +14883,6 @@
   <p:clrMapOvr>
     <a:masterClrMapping/>
   </p:clrMapOvr>
-  <p:timing>
-    <p:tnLst>
-      <p:par>
-        <p:cTn id="1" dur="indefinite" restart="never" nodeType="tmRoot"/>
-      </p:par>
-    </p:tnLst>
-  </p:timing>
 </p:sldLayout>
 </file>
 
@@ -16782,13 +16771,6 @@
   <p:clrMapOvr>
     <a:masterClrMapping/>
   </p:clrMapOvr>
-  <p:timing>
-    <p:tnLst>
-      <p:par>
-        <p:cTn id="1" dur="indefinite" restart="never" nodeType="tmRoot"/>
-      </p:par>
-    </p:tnLst>
-  </p:timing>
 </p:sldLayout>
 </file>
 
@@ -17749,13 +17731,6 @@
   <p:clrMapOvr>
     <a:masterClrMapping/>
   </p:clrMapOvr>
-  <p:timing>
-    <p:tnLst>
-      <p:par>
-        <p:cTn id="1" dur="indefinite" restart="never" nodeType="tmRoot"/>
-      </p:par>
-    </p:tnLst>
-  </p:timing>
 </p:sldLayout>
 </file>
 
@@ -19344,13 +19319,6 @@
   <p:clrMapOvr>
     <a:masterClrMapping/>
   </p:clrMapOvr>
-  <p:timing>
-    <p:tnLst>
-      <p:par>
-        <p:cTn id="1" dur="indefinite" restart="never" nodeType="tmRoot"/>
-      </p:par>
-    </p:tnLst>
-  </p:timing>
 </p:sldLayout>
 </file>
 
@@ -20347,13 +20315,6 @@
   <p:clrMapOvr>
     <a:masterClrMapping/>
   </p:clrMapOvr>
-  <p:timing>
-    <p:tnLst>
-      <p:par>
-        <p:cTn id="1" dur="indefinite" restart="never" nodeType="tmRoot"/>
-      </p:par>
-    </p:tnLst>
-  </p:timing>
 </p:sldLayout>
 </file>
 
@@ -21350,13 +21311,6 @@
   <p:clrMapOvr>
     <a:masterClrMapping/>
   </p:clrMapOvr>
-  <p:timing>
-    <p:tnLst>
-      <p:par>
-        <p:cTn id="1" dur="indefinite" restart="never" nodeType="tmRoot"/>
-      </p:par>
-    </p:tnLst>
-  </p:timing>
 </p:sldLayout>
 </file>
 
@@ -22964,13 +22918,6 @@
   <p:clrMapOvr>
     <a:masterClrMapping/>
   </p:clrMapOvr>
-  <p:timing>
-    <p:tnLst>
-      <p:par>
-        <p:cTn id="1" dur="indefinite" restart="never" nodeType="tmRoot"/>
-      </p:par>
-    </p:tnLst>
-  </p:timing>
 </p:sldLayout>
 </file>
 
@@ -24563,13 +24510,6 @@
   <p:clrMapOvr>
     <a:masterClrMapping/>
   </p:clrMapOvr>
-  <p:timing>
-    <p:tnLst>
-      <p:par>
-        <p:cTn id="1" dur="indefinite" restart="never" nodeType="tmRoot"/>
-      </p:par>
-    </p:tnLst>
-  </p:timing>
 </p:sldLayout>
 </file>
 
@@ -26023,13 +25963,6 @@
   <p:clrMapOvr>
     <a:masterClrMapping/>
   </p:clrMapOvr>
-  <p:timing>
-    <p:tnLst>
-      <p:par>
-        <p:cTn id="1" dur="indefinite" restart="never" nodeType="tmRoot"/>
-      </p:par>
-    </p:tnLst>
-  </p:timing>
 </p:sldLayout>
 </file>
 
@@ -27482,13 +27415,6 @@
   <p:clrMapOvr>
     <a:masterClrMapping/>
   </p:clrMapOvr>
-  <p:timing>
-    <p:tnLst>
-      <p:par>
-        <p:cTn id="1" dur="indefinite" restart="never" nodeType="tmRoot"/>
-      </p:par>
-    </p:tnLst>
-  </p:timing>
 </p:sldLayout>
 </file>
 
@@ -29322,13 +29248,6 @@
   <p:clrMapOvr>
     <a:masterClrMapping/>
   </p:clrMapOvr>
-  <p:timing>
-    <p:tnLst>
-      <p:par>
-        <p:cTn id="1" dur="indefinite" restart="never" nodeType="tmRoot"/>
-      </p:par>
-    </p:tnLst>
-  </p:timing>
 </p:sldLayout>
 </file>
 
@@ -29700,21 +29619,21 @@
           <a:p>
             <a:pPr lvl="0"/>
             <a:r>
-              <a:rPr lang="en-US" dirty="0" smtClean="0"/>
+              <a:rPr lang="en-US" dirty="0"/>
               <a:t>Lorem ipsum dolor sit </a:t>
             </a:r>
             <a:r>
-              <a:rPr lang="en-US" dirty="0" err="1" smtClean="0"/>
+              <a:rPr lang="en-US" dirty="0" err="1"/>
               <a:t>amet</a:t>
             </a:r>
             <a:r>
-              <a:rPr lang="en-US" dirty="0" smtClean="0"/>
+              <a:rPr lang="en-US" dirty="0"/>
               <a:t>					1</a:t>
             </a:r>
           </a:p>
           <a:p>
             <a:pPr lvl="2"/>
-            <a:endParaRPr lang="en-US" dirty="0" smtClean="0"/>
+            <a:endParaRPr lang="en-US" dirty="0"/>
           </a:p>
           <a:p>
             <a:endParaRPr lang="en-US" dirty="0"/>
@@ -29731,13 +29650,6 @@
   <p:clrMapOvr>
     <a:masterClrMapping/>
   </p:clrMapOvr>
-  <p:timing>
-    <p:tnLst>
-      <p:par>
-        <p:cTn id="1" dur="indefinite" restart="never" nodeType="tmRoot"/>
-      </p:par>
-    </p:tnLst>
-  </p:timing>
 </p:sldLayout>
 </file>
 
@@ -31464,187 +31376,187 @@
           <a:p>
             <a:pPr lvl="0"/>
             <a:r>
-              <a:rPr lang="en-US" dirty="0" smtClean="0"/>
+              <a:rPr lang="en-US" dirty="0"/>
               <a:t>Lorem ipsum dolor sit </a:t>
             </a:r>
             <a:r>
-              <a:rPr lang="en-US" dirty="0" err="1" smtClean="0"/>
+              <a:rPr lang="en-US" dirty="0" err="1"/>
               <a:t>amet</a:t>
             </a:r>
             <a:r>
-              <a:rPr lang="en-US" dirty="0" smtClean="0"/>
+              <a:rPr lang="en-US" dirty="0"/>
               <a:t>, </a:t>
             </a:r>
             <a:r>
-              <a:rPr lang="en-US" dirty="0" err="1" smtClean="0"/>
+              <a:rPr lang="en-US" dirty="0" err="1"/>
               <a:t>consectetur</a:t>
             </a:r>
             <a:r>
-              <a:rPr lang="en-US" dirty="0" smtClean="0"/>
-              <a:t> </a:t>
-            </a:r>
-            <a:r>
-              <a:rPr lang="en-US" dirty="0" err="1" smtClean="0"/>
+              <a:rPr lang="en-US" dirty="0"/>
+              <a:t> </a:t>
+            </a:r>
+            <a:r>
+              <a:rPr lang="en-US" dirty="0" err="1"/>
               <a:t>adipisicing</a:t>
             </a:r>
             <a:r>
-              <a:rPr lang="en-US" dirty="0" smtClean="0"/>
-              <a:t> </a:t>
-            </a:r>
-            <a:r>
-              <a:rPr lang="en-US" dirty="0" err="1" smtClean="0"/>
+              <a:rPr lang="en-US" dirty="0"/>
+              <a:t> </a:t>
+            </a:r>
+            <a:r>
+              <a:rPr lang="en-US" dirty="0" err="1"/>
               <a:t>elit</a:t>
             </a:r>
             <a:r>
-              <a:rPr lang="en-US" dirty="0" smtClean="0"/>
+              <a:rPr lang="en-US" dirty="0"/>
               <a:t>, </a:t>
             </a:r>
             <a:r>
-              <a:rPr lang="en-US" dirty="0" err="1" smtClean="0"/>
+              <a:rPr lang="en-US" dirty="0" err="1"/>
               <a:t>sed</a:t>
             </a:r>
             <a:r>
-              <a:rPr lang="en-US" dirty="0" smtClean="0"/>
+              <a:rPr lang="en-US" dirty="0"/>
               <a:t> do </a:t>
             </a:r>
             <a:r>
-              <a:rPr lang="en-US" dirty="0" err="1" smtClean="0"/>
+              <a:rPr lang="en-US" dirty="0" err="1"/>
               <a:t>eiusmod</a:t>
             </a:r>
             <a:r>
-              <a:rPr lang="en-US" dirty="0" smtClean="0"/>
-              <a:t> </a:t>
-            </a:r>
-            <a:r>
-              <a:rPr lang="en-US" dirty="0" err="1" smtClean="0"/>
+              <a:rPr lang="en-US" dirty="0"/>
+              <a:t> </a:t>
+            </a:r>
+            <a:r>
+              <a:rPr lang="en-US" dirty="0" err="1"/>
               <a:t>tempor</a:t>
             </a:r>
             <a:r>
-              <a:rPr lang="en-US" dirty="0" smtClean="0"/>
-              <a:t> </a:t>
-            </a:r>
-            <a:r>
-              <a:rPr lang="en-US" dirty="0" err="1" smtClean="0"/>
+              <a:rPr lang="en-US" dirty="0"/>
+              <a:t> </a:t>
+            </a:r>
+            <a:r>
+              <a:rPr lang="en-US" dirty="0" err="1"/>
               <a:t>incididunt</a:t>
             </a:r>
             <a:r>
-              <a:rPr lang="en-US" dirty="0" smtClean="0"/>
-              <a:t> </a:t>
-            </a:r>
-            <a:r>
-              <a:rPr lang="en-US" dirty="0" err="1" smtClean="0"/>
+              <a:rPr lang="en-US" dirty="0"/>
+              <a:t> </a:t>
+            </a:r>
+            <a:r>
+              <a:rPr lang="en-US" dirty="0" err="1"/>
               <a:t>ut</a:t>
             </a:r>
             <a:r>
-              <a:rPr lang="en-US" dirty="0" smtClean="0"/>
-              <a:t> </a:t>
-            </a:r>
-            <a:r>
-              <a:rPr lang="en-US" dirty="0" err="1" smtClean="0"/>
+              <a:rPr lang="en-US" dirty="0"/>
+              <a:t> </a:t>
+            </a:r>
+            <a:r>
+              <a:rPr lang="en-US" dirty="0" err="1"/>
               <a:t>labore</a:t>
             </a:r>
             <a:r>
-              <a:rPr lang="en-US" dirty="0" smtClean="0"/>
+              <a:rPr lang="en-US" dirty="0"/>
               <a:t> et </a:t>
             </a:r>
             <a:r>
-              <a:rPr lang="en-US" dirty="0" err="1" smtClean="0"/>
+              <a:rPr lang="en-US" dirty="0" err="1"/>
               <a:t>dolore</a:t>
             </a:r>
             <a:r>
-              <a:rPr lang="en-US" dirty="0" smtClean="0"/>
+              <a:rPr lang="en-US" dirty="0"/>
               <a:t> magna </a:t>
             </a:r>
             <a:r>
-              <a:rPr lang="en-US" dirty="0" err="1" smtClean="0"/>
+              <a:rPr lang="en-US" dirty="0" err="1"/>
               <a:t>aliqua</a:t>
             </a:r>
             <a:r>
-              <a:rPr lang="en-US" dirty="0" smtClean="0"/>
+              <a:rPr lang="en-US" dirty="0"/>
               <a:t>. </a:t>
             </a:r>
             <a:r>
-              <a:rPr lang="en-US" dirty="0" err="1" smtClean="0"/>
+              <a:rPr lang="en-US" dirty="0" err="1"/>
               <a:t>Ut</a:t>
             </a:r>
             <a:r>
-              <a:rPr lang="en-US" dirty="0" smtClean="0"/>
-              <a:t> </a:t>
-            </a:r>
-            <a:r>
-              <a:rPr lang="en-US" dirty="0" err="1" smtClean="0"/>
+              <a:rPr lang="en-US" dirty="0"/>
+              <a:t> </a:t>
+            </a:r>
+            <a:r>
+              <a:rPr lang="en-US" dirty="0" err="1"/>
               <a:t>enim</a:t>
             </a:r>
             <a:r>
-              <a:rPr lang="en-US" dirty="0" smtClean="0"/>
+              <a:rPr lang="en-US" dirty="0"/>
               <a:t> ad minim </a:t>
             </a:r>
             <a:r>
-              <a:rPr lang="en-US" dirty="0" err="1" smtClean="0"/>
+              <a:rPr lang="en-US" dirty="0" err="1"/>
               <a:t>veniam</a:t>
             </a:r>
             <a:r>
-              <a:rPr lang="en-US" dirty="0" smtClean="0"/>
+              <a:rPr lang="en-US" dirty="0"/>
               <a:t>, </a:t>
             </a:r>
             <a:r>
-              <a:rPr lang="en-US" dirty="0" err="1" smtClean="0"/>
+              <a:rPr lang="en-US" dirty="0" err="1"/>
               <a:t>quis</a:t>
             </a:r>
             <a:r>
-              <a:rPr lang="en-US" dirty="0" smtClean="0"/>
-              <a:t> </a:t>
-            </a:r>
-            <a:r>
-              <a:rPr lang="en-US" dirty="0" err="1" smtClean="0"/>
+              <a:rPr lang="en-US" dirty="0"/>
+              <a:t> </a:t>
+            </a:r>
+            <a:r>
+              <a:rPr lang="en-US" dirty="0" err="1"/>
               <a:t>nostrud</a:t>
             </a:r>
             <a:r>
-              <a:rPr lang="en-US" dirty="0" smtClean="0"/>
+              <a:rPr lang="en-US" dirty="0"/>
               <a:t> exercitation </a:t>
             </a:r>
             <a:r>
-              <a:rPr lang="en-US" dirty="0" err="1" smtClean="0"/>
+              <a:rPr lang="en-US" dirty="0" err="1"/>
               <a:t>ullamco</a:t>
             </a:r>
             <a:r>
-              <a:rPr lang="en-US" dirty="0" smtClean="0"/>
-              <a:t> </a:t>
-            </a:r>
-            <a:r>
-              <a:rPr lang="en-US" dirty="0" err="1" smtClean="0"/>
+              <a:rPr lang="en-US" dirty="0"/>
+              <a:t> </a:t>
+            </a:r>
+            <a:r>
+              <a:rPr lang="en-US" dirty="0" err="1"/>
               <a:t>laboris</a:t>
             </a:r>
             <a:r>
-              <a:rPr lang="en-US" dirty="0" smtClean="0"/>
+              <a:rPr lang="en-US" dirty="0"/>
               <a:t> nisi </a:t>
             </a:r>
             <a:r>
-              <a:rPr lang="en-US" dirty="0" err="1" smtClean="0"/>
+              <a:rPr lang="en-US" dirty="0" err="1"/>
               <a:t>ut</a:t>
             </a:r>
             <a:r>
-              <a:rPr lang="en-US" dirty="0" smtClean="0"/>
-              <a:t> </a:t>
-            </a:r>
-            <a:r>
-              <a:rPr lang="en-US" dirty="0" err="1" smtClean="0"/>
+              <a:rPr lang="en-US" dirty="0"/>
+              <a:t> </a:t>
+            </a:r>
+            <a:r>
+              <a:rPr lang="en-US" dirty="0" err="1"/>
               <a:t>aliquip</a:t>
             </a:r>
             <a:r>
-              <a:rPr lang="en-US" dirty="0" smtClean="0"/>
+              <a:rPr lang="en-US" dirty="0"/>
               <a:t> ex </a:t>
             </a:r>
             <a:r>
-              <a:rPr lang="en-US" dirty="0" err="1" smtClean="0"/>
+              <a:rPr lang="en-US" dirty="0" err="1"/>
               <a:t>ea</a:t>
             </a:r>
             <a:r>
-              <a:rPr lang="en-US" dirty="0" smtClean="0"/>
-              <a:t> </a:t>
-            </a:r>
-            <a:r>
-              <a:rPr lang="en-US" dirty="0" err="1" smtClean="0"/>
+              <a:rPr lang="en-US" dirty="0"/>
+              <a:t> </a:t>
+            </a:r>
+            <a:r>
+              <a:rPr lang="en-US" dirty="0" err="1"/>
               <a:t>commodo</a:t>
             </a:r>
             <a:endParaRPr lang="en-US" dirty="0"/>
@@ -32157,13 +32069,6 @@
   <p:clrMapOvr>
     <a:masterClrMapping/>
   </p:clrMapOvr>
-  <p:timing>
-    <p:tnLst>
-      <p:par>
-        <p:cTn id="1" dur="indefinite" restart="never" nodeType="tmRoot"/>
-      </p:par>
-    </p:tnLst>
-  </p:timing>
 </p:sldLayout>
 </file>
 
@@ -34777,13 +34682,6 @@
   <p:clrMapOvr>
     <a:masterClrMapping/>
   </p:clrMapOvr>
-  <p:timing>
-    <p:tnLst>
-      <p:par>
-        <p:cTn id="1" dur="indefinite" restart="never" nodeType="tmRoot"/>
-      </p:par>
-    </p:tnLst>
-  </p:timing>
 </p:sldLayout>
 </file>
 
@@ -37796,13 +37694,6 @@
   <p:clrMapOvr>
     <a:masterClrMapping/>
   </p:clrMapOvr>
-  <p:timing>
-    <p:tnLst>
-      <p:par>
-        <p:cTn id="1" dur="indefinite" restart="never" nodeType="tmRoot"/>
-      </p:par>
-    </p:tnLst>
-  </p:timing>
 </p:sldLayout>
 </file>
 
@@ -41346,13 +41237,6 @@
   <p:clrMapOvr>
     <a:masterClrMapping/>
   </p:clrMapOvr>
-  <p:timing>
-    <p:tnLst>
-      <p:par>
-        <p:cTn id="1" dur="indefinite" restart="never" nodeType="tmRoot"/>
-      </p:par>
-    </p:tnLst>
-  </p:timing>
 </p:sldLayout>
 </file>
 
@@ -41776,202 +41660,201 @@
           <a:p>
             <a:pPr lvl="0"/>
             <a:r>
-              <a:rPr lang="en-US" dirty="0" smtClean="0"/>
+              <a:rPr lang="en-US" dirty="0"/>
               <a:t>Lorem ipsum dolor sit </a:t>
             </a:r>
             <a:r>
-              <a:rPr lang="en-US" dirty="0" err="1" smtClean="0"/>
+              <a:rPr lang="en-US" dirty="0" err="1"/>
               <a:t>amet</a:t>
             </a:r>
             <a:r>
-              <a:rPr lang="en-US" dirty="0" smtClean="0"/>
+              <a:rPr lang="en-US" dirty="0"/>
               <a:t>, </a:t>
             </a:r>
             <a:r>
-              <a:rPr lang="en-US" dirty="0" err="1" smtClean="0"/>
+              <a:rPr lang="en-US" dirty="0" err="1"/>
               <a:t>consectetur</a:t>
             </a:r>
             <a:r>
-              <a:rPr lang="en-US" dirty="0" smtClean="0"/>
-              <a:t> </a:t>
-            </a:r>
-            <a:r>
-              <a:rPr lang="en-US" dirty="0" err="1" smtClean="0"/>
+              <a:rPr lang="en-US" dirty="0"/>
+              <a:t> </a:t>
+            </a:r>
+            <a:r>
+              <a:rPr lang="en-US" dirty="0" err="1"/>
               <a:t>adipisicing</a:t>
             </a:r>
             <a:r>
-              <a:rPr lang="en-US" dirty="0" smtClean="0"/>
-              <a:t> </a:t>
-            </a:r>
-            <a:r>
-              <a:rPr lang="en-US" dirty="0" err="1" smtClean="0"/>
+              <a:rPr lang="en-US" dirty="0"/>
+              <a:t> </a:t>
+            </a:r>
+            <a:r>
+              <a:rPr lang="en-US" dirty="0" err="1"/>
               <a:t>elit</a:t>
             </a:r>
             <a:r>
-              <a:rPr lang="en-US" dirty="0" smtClean="0"/>
+              <a:rPr lang="en-US" dirty="0"/>
               <a:t>, </a:t>
             </a:r>
             <a:r>
-              <a:rPr lang="en-US" dirty="0" err="1" smtClean="0"/>
+              <a:rPr lang="en-US" dirty="0" err="1"/>
               <a:t>sed</a:t>
             </a:r>
             <a:r>
-              <a:rPr lang="en-US" dirty="0" smtClean="0"/>
+              <a:rPr lang="en-US" dirty="0"/>
               <a:t> do </a:t>
             </a:r>
             <a:r>
-              <a:rPr lang="en-US" dirty="0" err="1" smtClean="0"/>
+              <a:rPr lang="en-US" dirty="0" err="1"/>
               <a:t>eiusmod</a:t>
             </a:r>
             <a:r>
-              <a:rPr lang="en-US" dirty="0" smtClean="0"/>
-              <a:t> </a:t>
-            </a:r>
-            <a:r>
-              <a:rPr lang="en-US" dirty="0" err="1" smtClean="0"/>
+              <a:rPr lang="en-US" dirty="0"/>
+              <a:t> </a:t>
+            </a:r>
+            <a:r>
+              <a:rPr lang="en-US" dirty="0" err="1"/>
               <a:t>tempor</a:t>
             </a:r>
             <a:r>
-              <a:rPr lang="en-US" dirty="0" smtClean="0"/>
-              <a:t> </a:t>
-            </a:r>
-            <a:r>
-              <a:rPr lang="en-US" dirty="0" err="1" smtClean="0"/>
+              <a:rPr lang="en-US" dirty="0"/>
+              <a:t> </a:t>
+            </a:r>
+            <a:r>
+              <a:rPr lang="en-US" dirty="0" err="1"/>
               <a:t>incididunt</a:t>
             </a:r>
             <a:r>
-              <a:rPr lang="en-US" dirty="0" smtClean="0"/>
-              <a:t> </a:t>
-            </a:r>
-            <a:r>
-              <a:rPr lang="en-US" dirty="0" err="1" smtClean="0"/>
+              <a:rPr lang="en-US" dirty="0"/>
+              <a:t> </a:t>
+            </a:r>
+            <a:r>
+              <a:rPr lang="en-US" dirty="0" err="1"/>
               <a:t>ut</a:t>
             </a:r>
             <a:r>
-              <a:rPr lang="en-US" dirty="0" smtClean="0"/>
-              <a:t> </a:t>
-            </a:r>
-            <a:r>
-              <a:rPr lang="en-US" dirty="0" err="1" smtClean="0"/>
+              <a:rPr lang="en-US" dirty="0"/>
+              <a:t> </a:t>
+            </a:r>
+            <a:r>
+              <a:rPr lang="en-US" dirty="0" err="1"/>
               <a:t>labore</a:t>
             </a:r>
             <a:r>
-              <a:rPr lang="en-US" dirty="0" smtClean="0"/>
+              <a:rPr lang="en-US" dirty="0"/>
               <a:t> et </a:t>
             </a:r>
             <a:r>
-              <a:rPr lang="en-US" dirty="0" err="1" smtClean="0"/>
+              <a:rPr lang="en-US" dirty="0" err="1"/>
               <a:t>dolore</a:t>
             </a:r>
             <a:r>
-              <a:rPr lang="en-US" dirty="0" smtClean="0"/>
+              <a:rPr lang="en-US" dirty="0"/>
               <a:t> magna </a:t>
             </a:r>
             <a:r>
-              <a:rPr lang="en-US" dirty="0" err="1" smtClean="0"/>
+              <a:rPr lang="en-US" dirty="0" err="1"/>
               <a:t>aliqua</a:t>
             </a:r>
             <a:r>
-              <a:rPr lang="en-US" dirty="0" smtClean="0"/>
+              <a:rPr lang="en-US" dirty="0"/>
               <a:t>. </a:t>
             </a:r>
             <a:r>
-              <a:rPr lang="en-US" dirty="0" err="1" smtClean="0"/>
+              <a:rPr lang="en-US" dirty="0" err="1"/>
               <a:t>Ut</a:t>
             </a:r>
             <a:r>
-              <a:rPr lang="en-US" dirty="0" smtClean="0"/>
-              <a:t> </a:t>
-            </a:r>
-            <a:r>
-              <a:rPr lang="en-US" dirty="0" err="1" smtClean="0"/>
+              <a:rPr lang="en-US" dirty="0"/>
+              <a:t> </a:t>
+            </a:r>
+            <a:r>
+              <a:rPr lang="en-US" dirty="0" err="1"/>
               <a:t>enim</a:t>
             </a:r>
             <a:r>
-              <a:rPr lang="en-US" dirty="0" smtClean="0"/>
+              <a:rPr lang="en-US" dirty="0"/>
               <a:t> ad minim </a:t>
             </a:r>
             <a:r>
-              <a:rPr lang="en-US" dirty="0" err="1" smtClean="0"/>
+              <a:rPr lang="en-US" dirty="0" err="1"/>
               <a:t>veniam</a:t>
             </a:r>
             <a:r>
-              <a:rPr lang="en-US" dirty="0" smtClean="0"/>
+              <a:rPr lang="en-US" dirty="0"/>
               <a:t>, </a:t>
             </a:r>
             <a:r>
-              <a:rPr lang="en-US" dirty="0" err="1" smtClean="0"/>
+              <a:rPr lang="en-US" dirty="0" err="1"/>
               <a:t>quis</a:t>
             </a:r>
             <a:r>
-              <a:rPr lang="en-US" dirty="0" smtClean="0"/>
-              <a:t> </a:t>
-            </a:r>
-            <a:r>
-              <a:rPr lang="en-US" dirty="0" err="1" smtClean="0"/>
+              <a:rPr lang="en-US" dirty="0"/>
+              <a:t> </a:t>
+            </a:r>
+            <a:r>
+              <a:rPr lang="en-US" dirty="0" err="1"/>
               <a:t>nostrud</a:t>
             </a:r>
             <a:r>
-              <a:rPr lang="en-US" dirty="0" smtClean="0"/>
+              <a:rPr lang="en-US" dirty="0"/>
               <a:t> exercitation </a:t>
             </a:r>
             <a:r>
-              <a:rPr lang="en-US" dirty="0" err="1" smtClean="0"/>
+              <a:rPr lang="en-US" dirty="0" err="1"/>
               <a:t>ullamco</a:t>
             </a:r>
             <a:r>
-              <a:rPr lang="en-US" dirty="0" smtClean="0"/>
-              <a:t> </a:t>
-            </a:r>
-            <a:r>
-              <a:rPr lang="en-US" dirty="0" err="1" smtClean="0"/>
+              <a:rPr lang="en-US" dirty="0"/>
+              <a:t> </a:t>
+            </a:r>
+            <a:r>
+              <a:rPr lang="en-US" dirty="0" err="1"/>
               <a:t>laboris</a:t>
             </a:r>
             <a:r>
-              <a:rPr lang="en-US" dirty="0" smtClean="0"/>
+              <a:rPr lang="en-US" dirty="0"/>
               <a:t> nisi </a:t>
             </a:r>
             <a:r>
-              <a:rPr lang="en-US" dirty="0" err="1" smtClean="0"/>
+              <a:rPr lang="en-US" dirty="0" err="1"/>
               <a:t>ut</a:t>
             </a:r>
             <a:r>
-              <a:rPr lang="en-US" dirty="0" smtClean="0"/>
-              <a:t> </a:t>
-            </a:r>
-            <a:r>
-              <a:rPr lang="en-US" dirty="0" err="1" smtClean="0"/>
+              <a:rPr lang="en-US" dirty="0"/>
+              <a:t> </a:t>
+            </a:r>
+            <a:r>
+              <a:rPr lang="en-US" dirty="0" err="1"/>
               <a:t>aliquip</a:t>
             </a:r>
             <a:r>
-              <a:rPr lang="en-US" dirty="0" smtClean="0"/>
+              <a:rPr lang="en-US" dirty="0"/>
               <a:t> ex </a:t>
             </a:r>
             <a:r>
-              <a:rPr lang="en-US" dirty="0" err="1" smtClean="0"/>
+              <a:rPr lang="en-US" dirty="0" err="1"/>
               <a:t>ea</a:t>
             </a:r>
             <a:r>
-              <a:rPr lang="en-US" dirty="0" smtClean="0"/>
-              <a:t> </a:t>
-            </a:r>
-            <a:r>
-              <a:rPr lang="en-US" dirty="0" err="1" smtClean="0"/>
+              <a:rPr lang="en-US" dirty="0"/>
+              <a:t> </a:t>
+            </a:r>
+            <a:r>
+              <a:rPr lang="en-US" dirty="0" err="1"/>
               <a:t>commodo</a:t>
             </a:r>
             <a:r>
-              <a:rPr lang="en-US" dirty="0" smtClean="0"/>
-              <a:t> </a:t>
-            </a:r>
-            <a:r>
-              <a:rPr lang="en-US" dirty="0" err="1" smtClean="0"/>
+              <a:rPr lang="en-US" dirty="0"/>
+              <a:t> </a:t>
+            </a:r>
+            <a:r>
+              <a:rPr lang="en-US" dirty="0" err="1"/>
               <a:t>consequat</a:t>
             </a:r>
             <a:r>
-              <a:rPr lang="en-US" dirty="0" smtClean="0"/>
+              <a:rPr lang="en-US" dirty="0"/>
               <a:t>. </a:t>
             </a:r>
-            <a:endParaRPr lang="en-US" dirty="0"/>
           </a:p>
         </p:txBody>
       </p:sp>
@@ -43174,13 +43057,6 @@
   <p:clrMapOvr>
     <a:masterClrMapping/>
   </p:clrMapOvr>
-  <p:timing>
-    <p:tnLst>
-      <p:par>
-        <p:cTn id="1" dur="indefinite" restart="never" nodeType="tmRoot"/>
-      </p:par>
-    </p:tnLst>
-  </p:timing>
 </p:sldLayout>
 </file>
 
@@ -45712,13 +45588,6 @@
   <p:clrMapOvr>
     <a:masterClrMapping/>
   </p:clrMapOvr>
-  <p:timing>
-    <p:tnLst>
-      <p:par>
-        <p:cTn id="1" dur="indefinite" restart="never" nodeType="tmRoot"/>
-      </p:par>
-    </p:tnLst>
-  </p:timing>
 </p:sldLayout>
 </file>
 
@@ -46665,13 +46534,6 @@
   <p:clrMapOvr>
     <a:masterClrMapping/>
   </p:clrMapOvr>
-  <p:timing>
-    <p:tnLst>
-      <p:par>
-        <p:cTn id="1" dur="indefinite" restart="never" nodeType="tmRoot"/>
-      </p:par>
-    </p:tnLst>
-  </p:timing>
 </p:sldLayout>
 </file>
 
@@ -47785,13 +47647,6 @@
   <p:clrMapOvr>
     <a:masterClrMapping/>
   </p:clrMapOvr>
-  <p:timing>
-    <p:tnLst>
-      <p:par>
-        <p:cTn id="1" dur="indefinite" restart="never" nodeType="tmRoot"/>
-      </p:par>
-    </p:tnLst>
-  </p:timing>
 </p:sldLayout>
 </file>
 
@@ -47998,13 +47853,6 @@
   <p:clrMapOvr>
     <a:masterClrMapping/>
   </p:clrMapOvr>
-  <p:timing>
-    <p:tnLst>
-      <p:par>
-        <p:cTn id="1" dur="indefinite" restart="never" nodeType="tmRoot"/>
-      </p:par>
-    </p:tnLst>
-  </p:timing>
 </p:sldLayout>
 </file>
 
@@ -48170,13 +48018,6 @@
   <p:clrMapOvr>
     <a:masterClrMapping/>
   </p:clrMapOvr>
-  <p:timing>
-    <p:tnLst>
-      <p:par>
-        <p:cTn id="1" dur="indefinite" restart="never" nodeType="tmRoot"/>
-      </p:par>
-    </p:tnLst>
-  </p:timing>
 </p:sldLayout>
 </file>
 
@@ -48285,15 +48126,7 @@
             <a:pPr lvl="0"/>
             <a:r>
               <a:rPr lang="en-US" dirty="0"/>
-              <a:t>Agenda </a:t>
-            </a:r>
-            <a:r>
-              <a:rPr lang="en-US" dirty="0" smtClean="0"/>
-              <a:t>opt </a:t>
-            </a:r>
-            <a:r>
-              <a:rPr lang="en-US" dirty="0"/>
-              <a:t>3</a:t>
+              <a:t>Agenda opt 3</a:t>
             </a:r>
             <a:endParaRPr lang="en-IN" dirty="0"/>
           </a:p>
@@ -48369,11 +48202,7 @@
             </a:r>
             <a:r>
               <a:rPr lang="en-US" dirty="0"/>
-              <a:t>					</a:t>
-            </a:r>
-            <a:r>
-              <a:rPr lang="en-US" dirty="0" smtClean="0"/>
-              <a:t>1</a:t>
+              <a:t>					1</a:t>
             </a:r>
           </a:p>
           <a:p>
@@ -48586,13 +48415,6 @@
   <p:clrMapOvr>
     <a:masterClrMapping/>
   </p:clrMapOvr>
-  <p:timing>
-    <p:tnLst>
-      <p:par>
-        <p:cTn id="1" dur="indefinite" restart="never" nodeType="tmRoot"/>
-      </p:par>
-    </p:tnLst>
-  </p:timing>
 </p:sldLayout>
 </file>
 
@@ -48856,13 +48678,6 @@
   <p:clrMapOvr>
     <a:masterClrMapping/>
   </p:clrMapOvr>
-  <p:timing>
-    <p:tnLst>
-      <p:par>
-        <p:cTn id="1" dur="indefinite" restart="never" nodeType="tmRoot"/>
-      </p:par>
-    </p:tnLst>
-  </p:timing>
 </p:sldLayout>
 </file>
 
@@ -48908,10 +48723,9 @@
               <a:defRPr/>
             </a:pPr>
             <a:r>
-              <a:rPr lang="en-US" smtClean="0"/>
+              <a:rPr lang="en-US"/>
               <a:t>Classification : Genpact Internal</a:t>
             </a:r>
-            <a:endParaRPr lang="en-US"/>
           </a:p>
         </p:txBody>
       </p:sp>
@@ -49264,23 +49078,7 @@
                   <a:schemeClr val="bg1"/>
                 </a:solidFill>
               </a:rPr>
-              <a:t>Divider slide </a:t>
-            </a:r>
-            <a:r>
-              <a:rPr lang="en-US" sz="4800" dirty="0" smtClean="0">
-                <a:solidFill>
-                  <a:schemeClr val="bg1"/>
-                </a:solidFill>
-              </a:rPr>
-              <a:t>options Lorem </a:t>
-            </a:r>
-            <a:r>
-              <a:rPr lang="en-US" sz="4800" dirty="0">
-                <a:solidFill>
-                  <a:schemeClr val="bg1"/>
-                </a:solidFill>
-              </a:rPr>
-              <a:t>ipsum dolor</a:t>
+              <a:t>Divider slide options Lorem ipsum dolor</a:t>
             </a:r>
           </a:p>
         </p:txBody>
@@ -49368,13 +49166,6 @@
   <p:clrMapOvr>
     <a:masterClrMapping/>
   </p:clrMapOvr>
-  <p:timing>
-    <p:tnLst>
-      <p:par>
-        <p:cTn id="1" dur="indefinite" restart="never" nodeType="tmRoot"/>
-      </p:par>
-    </p:tnLst>
-  </p:timing>
 </p:sldLayout>
 </file>
 
@@ -49714,21 +49505,8 @@
                   <a:schemeClr val="bg1"/>
                 </a:solidFill>
               </a:rPr>
-              <a:t>Divider slide </a:t>
-            </a:r>
-            <a:r>
-              <a:rPr lang="en-US" sz="4800" dirty="0" smtClean="0">
-                <a:solidFill>
-                  <a:schemeClr val="bg1"/>
-                </a:solidFill>
-              </a:rPr>
-              <a:t>options</a:t>
-            </a:r>
-            <a:endParaRPr lang="en-US" sz="4800" dirty="0">
-              <a:solidFill>
-                <a:schemeClr val="bg1"/>
-              </a:solidFill>
-            </a:endParaRPr>
+              <a:t>Divider slide options</a:t>
+            </a:r>
           </a:p>
           <a:p>
             <a:r>
@@ -49825,13 +49603,6 @@
   <p:clrMapOvr>
     <a:masterClrMapping/>
   </p:clrMapOvr>
-  <p:timing>
-    <p:tnLst>
-      <p:par>
-        <p:cTn id="1" dur="indefinite" restart="never" nodeType="tmRoot"/>
-      </p:par>
-    </p:tnLst>
-  </p:timing>
 </p:sldLayout>
 </file>
 
@@ -50171,23 +49942,7 @@
                   <a:schemeClr val="bg1"/>
                 </a:solidFill>
               </a:rPr>
-              <a:t>Divider slide </a:t>
-            </a:r>
-            <a:r>
-              <a:rPr lang="en-US" sz="4800" dirty="0" smtClean="0">
-                <a:solidFill>
-                  <a:schemeClr val="bg1"/>
-                </a:solidFill>
-              </a:rPr>
-              <a:t>options Lorem </a:t>
-            </a:r>
-            <a:r>
-              <a:rPr lang="en-US" sz="4800" dirty="0">
-                <a:solidFill>
-                  <a:schemeClr val="bg1"/>
-                </a:solidFill>
-              </a:rPr>
-              <a:t>ipsum dolor</a:t>
+              <a:t>Divider slide options Lorem ipsum dolor</a:t>
             </a:r>
           </a:p>
         </p:txBody>
@@ -50275,13 +50030,6 @@
   <p:clrMapOvr>
     <a:masterClrMapping/>
   </p:clrMapOvr>
-  <p:timing>
-    <p:tnLst>
-      <p:par>
-        <p:cTn id="1" dur="indefinite" restart="never" nodeType="tmRoot"/>
-      </p:par>
-    </p:tnLst>
-  </p:timing>
 </p:sldLayout>
 </file>
 
@@ -50690,13 +50438,8 @@
             <a:pPr lvl="0"/>
             <a:r>
               <a:rPr lang="en-US" dirty="0"/>
-              <a:t>Divider slide </a:t>
-            </a:r>
-            <a:r>
-              <a:rPr lang="en-US" dirty="0" smtClean="0"/>
-              <a:t>options</a:t>
-            </a:r>
-            <a:endParaRPr lang="en-US" dirty="0"/>
+              <a:t>Divider slide options</a:t>
+            </a:r>
           </a:p>
           <a:p>
             <a:pPr lvl="0"/>
@@ -50718,13 +50461,6 @@
   <p:clrMapOvr>
     <a:masterClrMapping/>
   </p:clrMapOvr>
-  <p:timing>
-    <p:tnLst>
-      <p:par>
-        <p:cTn id="1" dur="indefinite" restart="never" nodeType="tmRoot"/>
-      </p:par>
-    </p:tnLst>
-  </p:timing>
 </p:sldLayout>
 </file>
 
@@ -51312,23 +51048,19 @@
               <a:t>laudantium</a:t>
             </a:r>
             <a:r>
-              <a:rPr lang="en-US" dirty="0" smtClean="0"/>
+              <a:rPr lang="en-US" dirty="0"/>
               <a:t>.</a:t>
             </a:r>
           </a:p>
           <a:p>
             <a:pPr lvl="2"/>
             <a:r>
-              <a:rPr lang="en-US" dirty="0" err="1" smtClean="0"/>
+              <a:rPr lang="en-US" dirty="0" err="1"/>
               <a:t>Totam</a:t>
             </a:r>
             <a:r>
-              <a:rPr lang="en-US" dirty="0" smtClean="0"/>
-              <a:t> </a:t>
-            </a:r>
-            <a:r>
-              <a:rPr lang="en-US" dirty="0"/>
-              <a:t>rem </a:t>
+              <a:rPr lang="en-US" dirty="0"/>
+              <a:t> rem </a:t>
             </a:r>
             <a:r>
               <a:rPr lang="en-US" dirty="0" err="1"/>
@@ -52093,13 +51825,6 @@
   <p:clrMapOvr>
     <a:masterClrMapping/>
   </p:clrMapOvr>
-  <p:timing>
-    <p:tnLst>
-      <p:par>
-        <p:cTn id="1" dur="indefinite" restart="never" nodeType="tmRoot"/>
-      </p:par>
-    </p:tnLst>
-  </p:timing>
   <p:extLst mod="1">
     <p:ext uri="{DCECCB84-F9BA-43D5-87BE-67443E8EF086}">
       <p15:sldGuideLst xmlns:p15="http://schemas.microsoft.com/office/powerpoint/2012/main">
@@ -52200,13 +51925,6 @@
     <p:sldLayoutId id="2147483712" r:id="rId40"/>
     <p:sldLayoutId id="2147483778" r:id="rId41"/>
   </p:sldLayoutIdLst>
-  <p:timing>
-    <p:tnLst>
-      <p:par>
-        <p:cTn id="1" dur="indefinite" restart="never" nodeType="tmRoot"/>
-      </p:par>
-    </p:tnLst>
-  </p:timing>
   <p:hf hdr="0" dt="0"/>
   <p:txStyles>
     <p:titleStyle>
@@ -52492,7 +52210,7 @@
                         <a:tabLst/>
                       </a:pPr>
                       <a:r>
-                        <a:rPr kumimoji="0" lang="en-US" sz="1000" b="1" i="0" u="none" strike="noStrike" cap="none" normalizeH="0" baseline="0" dirty="0" smtClean="0">
+                        <a:rPr kumimoji="0" lang="en-US" sz="1000" b="1" i="0" u="none" strike="noStrike" cap="none" normalizeH="0" baseline="0" dirty="0">
                           <a:ln>
                             <a:noFill/>
                           </a:ln>
@@ -52575,7 +52293,7 @@
                         <a:tabLst/>
                       </a:pPr>
                       <a:r>
-                        <a:rPr kumimoji="0" lang="en-US" sz="1000" b="1" i="0" u="none" strike="noStrike" cap="none" normalizeH="0" baseline="0" dirty="0" smtClean="0">
+                        <a:rPr kumimoji="0" lang="en-US" sz="1000" b="1" i="0" u="none" strike="noStrike" cap="none" normalizeH="0" baseline="0" dirty="0">
                           <a:ln>
                             <a:noFill/>
                           </a:ln>
@@ -52658,7 +52376,7 @@
                         <a:tabLst/>
                       </a:pPr>
                       <a:r>
-                        <a:rPr kumimoji="0" lang="en-US" sz="1000" b="1" i="0" u="none" strike="noStrike" cap="none" normalizeH="0" baseline="0" smtClean="0">
+                        <a:rPr kumimoji="0" lang="en-US" sz="1000" b="1" i="0" u="none" strike="noStrike" cap="none" normalizeH="0" baseline="0">
                           <a:ln>
                             <a:noFill/>
                           </a:ln>
@@ -52741,7 +52459,7 @@
                         <a:tabLst/>
                       </a:pPr>
                       <a:r>
-                        <a:rPr kumimoji="0" lang="en-US" sz="1000" b="1" i="0" u="none" strike="noStrike" cap="none" normalizeH="0" baseline="0" dirty="0" smtClean="0">
+                        <a:rPr kumimoji="0" lang="en-US" sz="1000" b="1" i="0" u="none" strike="noStrike" cap="none" normalizeH="0" baseline="0" dirty="0">
                           <a:ln>
                             <a:noFill/>
                           </a:ln>
@@ -52824,7 +52542,7 @@
                         <a:tabLst/>
                       </a:pPr>
                       <a:r>
-                        <a:rPr kumimoji="0" lang="en-US" sz="1000" b="1" i="0" u="none" strike="noStrike" cap="none" normalizeH="0" baseline="0" dirty="0" smtClean="0">
+                        <a:rPr kumimoji="0" lang="en-US" sz="1000" b="1" i="0" u="none" strike="noStrike" cap="none" normalizeH="0" baseline="0" dirty="0">
                           <a:ln>
                             <a:noFill/>
                           </a:ln>
@@ -52838,7 +52556,7 @@
                         <a:t>Date of </a:t>
                       </a:r>
                       <a:br>
-                        <a:rPr kumimoji="0" lang="en-US" sz="1000" b="1" i="0" u="none" strike="noStrike" cap="none" normalizeH="0" baseline="0" dirty="0" smtClean="0">
+                        <a:rPr kumimoji="0" lang="en-US" sz="1000" b="1" i="0" u="none" strike="noStrike" cap="none" normalizeH="0" baseline="0" dirty="0">
                           <a:ln>
                             <a:noFill/>
                           </a:ln>
@@ -52851,7 +52569,7 @@
                         </a:rPr>
                       </a:br>
                       <a:r>
-                        <a:rPr kumimoji="0" lang="en-US" sz="1000" b="1" i="0" u="none" strike="noStrike" cap="none" normalizeH="0" baseline="0" dirty="0" smtClean="0">
+                        <a:rPr kumimoji="0" lang="en-US" sz="1000" b="1" i="0" u="none" strike="noStrike" cap="none" normalizeH="0" baseline="0" dirty="0">
                           <a:ln>
                             <a:noFill/>
                           </a:ln>
@@ -52941,7 +52659,7 @@
                         <a:tabLst/>
                       </a:pPr>
                       <a:r>
-                        <a:rPr kumimoji="0" lang="en-US" sz="1200" b="0" i="0" u="none" strike="noStrike" cap="none" normalizeH="0" baseline="0" dirty="0" smtClean="0">
+                        <a:rPr kumimoji="0" lang="en-US" sz="1200" b="0" i="0" u="none" strike="noStrike" cap="none" normalizeH="0" baseline="0" dirty="0">
                           <a:ln>
                             <a:noFill/>
                           </a:ln>
@@ -53023,7 +52741,7 @@
                         <a:tabLst/>
                       </a:pPr>
                       <a:r>
-                        <a:rPr kumimoji="0" lang="en-US" sz="1200" b="0" i="0" u="none" strike="noStrike" cap="none" normalizeH="0" baseline="0" dirty="0" smtClean="0">
+                        <a:rPr kumimoji="0" lang="en-US" sz="1200" b="0" i="0" u="none" strike="noStrike" cap="none" normalizeH="0" baseline="0" dirty="0">
                           <a:ln>
                             <a:noFill/>
                           </a:ln>
@@ -53105,7 +52823,7 @@
                         <a:tabLst/>
                       </a:pPr>
                       <a:r>
-                        <a:rPr kumimoji="0" lang="en-US" sz="1200" b="0" i="0" u="none" strike="noStrike" cap="none" normalizeH="0" baseline="0" dirty="0" smtClean="0">
+                        <a:rPr kumimoji="0" lang="en-US" sz="1200" b="0" i="0" u="none" strike="noStrike" cap="none" normalizeH="0" baseline="0" dirty="0">
                           <a:ln>
                             <a:noFill/>
                           </a:ln>
@@ -53188,7 +52906,7 @@
                         <a:tabLst/>
                       </a:pPr>
                       <a:r>
-                        <a:rPr kumimoji="0" lang="en-US" sz="1200" b="0" i="0" u="none" strike="noStrike" cap="none" normalizeH="0" baseline="0" dirty="0" smtClean="0">
+                        <a:rPr kumimoji="0" lang="en-US" sz="1200" b="0" i="0" u="none" strike="noStrike" cap="none" normalizeH="0" baseline="0" dirty="0">
                           <a:ln>
                             <a:noFill/>
                           </a:ln>
@@ -53270,7 +52988,7 @@
                         <a:tabLst/>
                       </a:pPr>
                       <a:r>
-                        <a:rPr kumimoji="0" lang="en-US" sz="1200" b="0" i="0" u="none" strike="noStrike" cap="none" normalizeH="0" baseline="0" dirty="0" smtClean="0">
+                        <a:rPr kumimoji="0" lang="en-US" sz="1200" b="0" i="0" u="none" strike="noStrike" cap="none" normalizeH="0" baseline="0" dirty="0">
                           <a:ln>
                             <a:noFill/>
                           </a:ln>
@@ -53358,7 +53076,7 @@
                         <a:buNone/>
                         <a:tabLst/>
                       </a:pPr>
-                      <a:endParaRPr kumimoji="0" lang="en-US" sz="1600" b="0" i="0" u="none" strike="noStrike" cap="none" normalizeH="0" baseline="0" smtClean="0">
+                      <a:endParaRPr kumimoji="0" lang="en-US" sz="1600" b="0" i="0" u="none" strike="noStrike" cap="none" normalizeH="0" baseline="0">
                         <a:ln>
                           <a:noFill/>
                         </a:ln>
@@ -53437,7 +53155,7 @@
                         <a:buNone/>
                         <a:tabLst/>
                       </a:pPr>
-                      <a:endParaRPr kumimoji="0" lang="en-US" sz="1600" b="0" i="0" u="none" strike="noStrike" cap="none" normalizeH="0" baseline="0" smtClean="0">
+                      <a:endParaRPr kumimoji="0" lang="en-US" sz="1600" b="0" i="0" u="none" strike="noStrike" cap="none" normalizeH="0" baseline="0">
                         <a:ln>
                           <a:noFill/>
                         </a:ln>
@@ -53516,7 +53234,7 @@
                         <a:buNone/>
                         <a:tabLst/>
                       </a:pPr>
-                      <a:endParaRPr kumimoji="0" lang="en-US" sz="1600" b="0" i="0" u="none" strike="noStrike" cap="none" normalizeH="0" baseline="0" dirty="0" smtClean="0">
+                      <a:endParaRPr kumimoji="0" lang="en-US" sz="1600" b="0" i="0" u="none" strike="noStrike" cap="none" normalizeH="0" baseline="0" dirty="0">
                         <a:ln>
                           <a:noFill/>
                         </a:ln>
@@ -53595,7 +53313,7 @@
                         <a:buNone/>
                         <a:tabLst/>
                       </a:pPr>
-                      <a:endParaRPr kumimoji="0" lang="en-US" sz="1600" b="0" i="0" u="none" strike="noStrike" cap="none" normalizeH="0" baseline="0" smtClean="0">
+                      <a:endParaRPr kumimoji="0" lang="en-US" sz="1600" b="0" i="0" u="none" strike="noStrike" cap="none" normalizeH="0" baseline="0">
                         <a:ln>
                           <a:noFill/>
                         </a:ln>
@@ -53674,7 +53392,7 @@
                         <a:buNone/>
                         <a:tabLst/>
                       </a:pPr>
-                      <a:endParaRPr kumimoji="0" lang="en-US" sz="1600" b="0" i="0" u="none" strike="noStrike" cap="none" normalizeH="0" baseline="0" dirty="0" smtClean="0">
+                      <a:endParaRPr kumimoji="0" lang="en-US" sz="1600" b="0" i="0" u="none" strike="noStrike" cap="none" normalizeH="0" baseline="0" dirty="0">
                         <a:ln>
                           <a:noFill/>
                         </a:ln>
@@ -53883,26 +53601,12 @@
                 <a:spcPct val="50000"/>
               </a:spcBef>
             </a:pPr>
-            <a:r>
-              <a:rPr lang="en-US" sz="1000" b="1" dirty="0">
-                <a:latin typeface="Arial" charset="0"/>
-                <a:cs typeface="Times New Roman" pitchFamily="18" charset="0"/>
-              </a:rPr>
-              <a:t/>
-            </a:r>
             <a:br>
               <a:rPr lang="en-US" sz="1000" b="1" dirty="0">
                 <a:latin typeface="Arial" charset="0"/>
                 <a:cs typeface="Times New Roman" pitchFamily="18" charset="0"/>
               </a:rPr>
             </a:br>
-            <a:r>
-              <a:rPr lang="en-US" sz="1000" b="1" dirty="0">
-                <a:latin typeface="Arial" charset="0"/>
-                <a:cs typeface="Times New Roman" pitchFamily="18" charset="0"/>
-              </a:rPr>
-              <a:t/>
-            </a:r>
             <a:br>
               <a:rPr lang="en-US" sz="1000" b="1" dirty="0">
                 <a:latin typeface="Arial" charset="0"/>
@@ -53948,10 +53652,9 @@
               <a:defRPr/>
             </a:pPr>
             <a:r>
-              <a:rPr lang="en-US" smtClean="0"/>
+              <a:rPr lang="en-US"/>
               <a:t>Classification: Genpact Internal</a:t>
             </a:r>
-            <a:endParaRPr lang="en-US"/>
           </a:p>
         </p:txBody>
       </p:sp>
@@ -53960,13 +53663,6 @@
   <p:clrMapOvr>
     <a:masterClrMapping/>
   </p:clrMapOvr>
-  <p:timing>
-    <p:tnLst>
-      <p:par>
-        <p:cTn id="1" dur="indefinite" restart="never" nodeType="tmRoot"/>
-      </p:par>
-    </p:tnLst>
-  </p:timing>
 </p:sld>
 </file>
 
@@ -53997,16 +53693,20 @@
             <p:ph type="body" sz="quarter" idx="14"/>
           </p:nvPr>
         </p:nvSpPr>
-        <p:spPr/>
+        <p:spPr>
+          <a:xfrm>
+            <a:off x="3182233" y="2597150"/>
+            <a:ext cx="7866767" cy="984250"/>
+          </a:xfrm>
+        </p:spPr>
         <p:txBody>
           <a:bodyPr/>
           <a:lstStyle/>
           <a:p>
             <a:r>
-              <a:rPr lang="en-US" dirty="0" smtClean="0"/>
+              <a:rPr lang="en-US" dirty="0"/>
               <a:t>Node Server Restart Issue</a:t>
             </a:r>
-            <a:endParaRPr lang="en-US" dirty="0"/>
           </a:p>
         </p:txBody>
       </p:sp>
@@ -54020,13 +53720,6 @@
   <p:clrMapOvr>
     <a:masterClrMapping/>
   </p:clrMapOvr>
-  <p:timing>
-    <p:tnLst>
-      <p:par>
-        <p:cTn id="1" dur="indefinite" restart="never" nodeType="tmRoot"/>
-      </p:par>
-    </p:tnLst>
-  </p:timing>
 </p:sld>
 </file>
 
@@ -54060,7 +53753,7 @@
         <p:spPr>
           <a:xfrm>
             <a:off x="304800" y="213058"/>
-            <a:ext cx="5098006" cy="609600"/>
+            <a:ext cx="7315200" cy="609600"/>
           </a:xfrm>
         </p:spPr>
         <p:txBody>
@@ -54068,10 +53761,10 @@
           <a:lstStyle/>
           <a:p>
             <a:r>
-              <a:rPr lang="en-US" b="1" dirty="0" smtClean="0">
+              <a:rPr lang="en-US" b="1" dirty="0">
                 <a:latin typeface="Century" panose="02040604050505020304" pitchFamily="18" charset="0"/>
               </a:rPr>
-              <a:t>Issue Observation</a:t>
+              <a:t>Issue Description:</a:t>
             </a:r>
             <a:endParaRPr lang="en-US" b="1" dirty="0"/>
           </a:p>
@@ -54079,270 +53772,520 @@
       </p:sp>
       <p:sp>
         <p:nvSpPr>
-          <p:cNvPr id="7" name="Rectangle 6"/>
-          <p:cNvSpPr/>
+          <p:cNvPr id="10" name="Text Placeholder 1">
+            <a:extLst>
+              <a:ext uri="{FF2B5EF4-FFF2-40B4-BE49-F238E27FC236}">
+                <a16:creationId xmlns:a16="http://schemas.microsoft.com/office/drawing/2014/main" id="{B3948020-3A43-4ABB-BFF5-A45DC57EF441}"/>
+              </a:ext>
+            </a:extLst>
+          </p:cNvPr>
+          <p:cNvSpPr txBox="1">
+            <a:spLocks/>
+          </p:cNvSpPr>
           <p:nvPr/>
         </p:nvSpPr>
         <p:spPr>
           <a:xfrm>
-            <a:off x="457200" y="1143001"/>
-            <a:ext cx="10210800" cy="3139321"/>
+            <a:off x="257504" y="3429000"/>
+            <a:ext cx="3276600" cy="609600"/>
           </a:xfrm>
           <a:prstGeom prst="rect">
             <a:avLst/>
           </a:prstGeom>
         </p:spPr>
         <p:txBody>
-          <a:bodyPr wrap="square">
+          <a:bodyPr/>
+          <a:lstStyle>
+            <a:lvl1pPr marL="0">
+              <a:defRPr sz="3200">
+                <a:solidFill>
+                  <a:schemeClr val="accent6"/>
+                </a:solidFill>
+                <a:latin typeface="+mn-lt"/>
+                <a:ea typeface="+mn-ea"/>
+                <a:cs typeface="+mn-cs"/>
+              </a:defRPr>
+            </a:lvl1pPr>
+            <a:lvl2pPr marL="457200">
+              <a:defRPr>
+                <a:latin typeface="+mn-lt"/>
+                <a:ea typeface="+mn-ea"/>
+                <a:cs typeface="+mn-cs"/>
+              </a:defRPr>
+            </a:lvl2pPr>
+            <a:lvl3pPr marL="914400">
+              <a:defRPr>
+                <a:latin typeface="+mn-lt"/>
+                <a:ea typeface="+mn-ea"/>
+                <a:cs typeface="+mn-cs"/>
+              </a:defRPr>
+            </a:lvl3pPr>
+            <a:lvl4pPr marL="1371600">
+              <a:defRPr>
+                <a:latin typeface="+mn-lt"/>
+                <a:ea typeface="+mn-ea"/>
+                <a:cs typeface="+mn-cs"/>
+              </a:defRPr>
+            </a:lvl4pPr>
+            <a:lvl5pPr marL="1828800">
+              <a:defRPr>
+                <a:latin typeface="+mn-lt"/>
+                <a:ea typeface="+mn-ea"/>
+                <a:cs typeface="+mn-cs"/>
+              </a:defRPr>
+            </a:lvl5pPr>
+            <a:lvl6pPr marL="2286000">
+              <a:defRPr>
+                <a:latin typeface="+mn-lt"/>
+                <a:ea typeface="+mn-ea"/>
+                <a:cs typeface="+mn-cs"/>
+              </a:defRPr>
+            </a:lvl6pPr>
+            <a:lvl7pPr marL="2743200">
+              <a:defRPr>
+                <a:latin typeface="+mn-lt"/>
+                <a:ea typeface="+mn-ea"/>
+                <a:cs typeface="+mn-cs"/>
+              </a:defRPr>
+            </a:lvl7pPr>
+            <a:lvl8pPr marL="3200400">
+              <a:defRPr>
+                <a:latin typeface="+mn-lt"/>
+                <a:ea typeface="+mn-ea"/>
+                <a:cs typeface="+mn-cs"/>
+              </a:defRPr>
+            </a:lvl8pPr>
+            <a:lvl9pPr marL="3657600">
+              <a:defRPr>
+                <a:latin typeface="+mn-lt"/>
+                <a:ea typeface="+mn-ea"/>
+                <a:cs typeface="+mn-cs"/>
+              </a:defRPr>
+            </a:lvl9pPr>
+          </a:lstStyle>
+          <a:p>
+            <a:pPr algn="l"/>
+            <a:r>
+              <a:rPr lang="en-US" b="1" kern="0" dirty="0">
+                <a:latin typeface="Century" panose="02040604050505020304" pitchFamily="18" charset="0"/>
+              </a:rPr>
+              <a:t>Our Analysis:</a:t>
+            </a:r>
+          </a:p>
+        </p:txBody>
+      </p:sp>
+      <p:sp>
+        <p:nvSpPr>
+          <p:cNvPr id="5" name="TextBox 4">
+            <a:extLst>
+              <a:ext uri="{FF2B5EF4-FFF2-40B4-BE49-F238E27FC236}">
+                <a16:creationId xmlns:a16="http://schemas.microsoft.com/office/drawing/2014/main" id="{96A33DB9-7505-464F-A6AC-5121750A3093}"/>
+              </a:ext>
+            </a:extLst>
+          </p:cNvPr>
+          <p:cNvSpPr txBox="1"/>
+          <p:nvPr/>
+        </p:nvSpPr>
+        <p:spPr>
+          <a:xfrm>
+            <a:off x="323193" y="4232434"/>
+            <a:ext cx="9067800" cy="1508105"/>
+          </a:xfrm>
+          <a:prstGeom prst="rect">
+            <a:avLst/>
+          </a:prstGeom>
+          <a:noFill/>
+        </p:spPr>
+        <p:txBody>
+          <a:bodyPr wrap="square" rtlCol="0">
             <a:spAutoFit/>
           </a:bodyPr>
           <a:lstStyle/>
           <a:p>
             <a:r>
-              <a:rPr lang="en-US" dirty="0">
-                <a:latin typeface="Calibri" panose="020F0502020204030204" pitchFamily="34" charset="0"/>
-                <a:ea typeface="Calibri" panose="020F0502020204030204" pitchFamily="34" charset="0"/>
-                <a:cs typeface="Times New Roman" panose="02020603050405020304" pitchFamily="18" charset="0"/>
-              </a:rPr>
-              <a:t>RCA</a:t>
-            </a:r>
-            <a:r>
-              <a:rPr lang="en-US" dirty="0" smtClean="0">
-                <a:latin typeface="Calibri" panose="020F0502020204030204" pitchFamily="34" charset="0"/>
-                <a:ea typeface="Calibri" panose="020F0502020204030204" pitchFamily="34" charset="0"/>
-                <a:cs typeface="Times New Roman" panose="02020603050405020304" pitchFamily="18" charset="0"/>
-              </a:rPr>
-              <a:t>:</a:t>
-            </a:r>
+              <a:rPr lang="en-US" sz="1600" dirty="0"/>
+              <a:t>This issue occurred when multiple requests raised at a time.</a:t>
+            </a:r>
+            <a:endParaRPr lang="en-IN" sz="1600" dirty="0">
+              <a:highlight>
+                <a:srgbClr val="EBECED"/>
+              </a:highlight>
+            </a:endParaRPr>
           </a:p>
           <a:p>
-            <a:pPr marL="342900" indent="-342900">
-              <a:buAutoNum type="arabicParenR"/>
-            </a:pPr>
-            <a:r>
-              <a:rPr lang="en-US" dirty="0" smtClean="0"/>
-              <a:t>UI </a:t>
-            </a:r>
-            <a:r>
-              <a:rPr lang="en-US" dirty="0"/>
-              <a:t>services getting down due to this error  preparing </a:t>
-            </a:r>
-            <a:r>
-              <a:rPr lang="en-US" dirty="0" err="1"/>
-              <a:t>requestnode</a:t>
-            </a:r>
-            <a:r>
-              <a:rPr lang="en-US" dirty="0" smtClean="0"/>
-              <a:t>:</a:t>
-            </a:r>
+            <a:endParaRPr lang="en-IN" sz="2000" dirty="0">
+              <a:highlight>
+                <a:srgbClr val="EBECED"/>
+              </a:highlight>
+            </a:endParaRPr>
           </a:p>
           <a:p>
-            <a:endParaRPr lang="en-US" dirty="0"/>
+            <a:r>
+              <a:rPr lang="en-IN" sz="1200" dirty="0">
+                <a:highlight>
+                  <a:srgbClr val="EBECED"/>
+                </a:highlight>
+              </a:rPr>
+              <a:t>Node:../</a:t>
+            </a:r>
+            <a:r>
+              <a:rPr lang="en-IN" sz="1200" dirty="0" err="1">
+                <a:highlight>
+                  <a:srgbClr val="EBECED"/>
+                </a:highlight>
+              </a:rPr>
+              <a:t>src</a:t>
+            </a:r>
+            <a:r>
+              <a:rPr lang="en-IN" sz="1200" dirty="0">
+                <a:highlight>
+                  <a:srgbClr val="EBECED"/>
+                </a:highlight>
+              </a:rPr>
+              <a:t>/tcp_wrap.cc:61:static v8::Localv8::Object node::</a:t>
+            </a:r>
+            <a:r>
+              <a:rPr lang="en-IN" sz="1200" dirty="0" err="1">
+                <a:highlight>
+                  <a:srgbClr val="EBECED"/>
+                </a:highlight>
+              </a:rPr>
+              <a:t>TCPWrap</a:t>
+            </a:r>
+            <a:r>
+              <a:rPr lang="en-IN" sz="1200" dirty="0">
+                <a:highlight>
+                  <a:srgbClr val="EBECED"/>
+                </a:highlight>
+              </a:rPr>
+              <a:t>::Instantiate(node::</a:t>
+            </a:r>
+            <a:r>
+              <a:rPr lang="en-IN" sz="1200" dirty="0" err="1">
+                <a:highlight>
+                  <a:srgbClr val="EBECED"/>
+                </a:highlight>
+              </a:rPr>
+              <a:t>Environment_,node</a:t>
+            </a:r>
+            <a:r>
+              <a:rPr lang="en-IN" sz="1200" dirty="0">
+                <a:highlight>
+                  <a:srgbClr val="EBECED"/>
+                </a:highlight>
+              </a:rPr>
+              <a:t>::</a:t>
+            </a:r>
+            <a:r>
+              <a:rPr lang="en-IN" sz="1200" dirty="0" err="1">
+                <a:highlight>
+                  <a:srgbClr val="EBECED"/>
+                </a:highlight>
+              </a:rPr>
+              <a:t>AsyncWrap</a:t>
+            </a:r>
+            <a:r>
+              <a:rPr lang="en-IN" sz="1200" dirty="0">
+                <a:highlight>
+                  <a:srgbClr val="EBECED"/>
+                </a:highlight>
+              </a:rPr>
+              <a:t>_):Assertion ‘(</a:t>
+            </a:r>
+            <a:r>
+              <a:rPr lang="en-IN" sz="1200" dirty="0" err="1">
+                <a:highlight>
+                  <a:srgbClr val="EBECED"/>
+                </a:highlight>
+              </a:rPr>
+              <a:t>instance.IsEmpty</a:t>
+            </a:r>
+            <a:r>
+              <a:rPr lang="en-IN" sz="1200" dirty="0">
+                <a:highlight>
+                  <a:srgbClr val="EBECED"/>
+                </a:highlight>
+              </a:rPr>
+              <a:t>())==(false)’failed.</a:t>
+            </a:r>
           </a:p>
           <a:p>
-            <a:r>
-              <a:rPr lang="en-US" dirty="0" smtClean="0"/>
-              <a:t> </a:t>
-            </a:r>
-            <a:r>
-              <a:rPr lang="en-US" u="sng" dirty="0"/>
-              <a:t>../deps/</a:t>
-            </a:r>
-            <a:r>
-              <a:rPr lang="en-US" u="sng" dirty="0" err="1"/>
-              <a:t>uv</a:t>
-            </a:r>
-            <a:r>
-              <a:rPr lang="en-US" u="sng" dirty="0"/>
-              <a:t>/</a:t>
-            </a:r>
-            <a:r>
-              <a:rPr lang="en-US" u="sng" dirty="0" err="1"/>
-              <a:t>src</a:t>
-            </a:r>
-            <a:r>
-              <a:rPr lang="en-US" u="sng" dirty="0"/>
-              <a:t>/</a:t>
-            </a:r>
-            <a:r>
-              <a:rPr lang="en-US" u="sng" dirty="0" err="1"/>
-              <a:t>unix</a:t>
-            </a:r>
-            <a:r>
-              <a:rPr lang="en-US" u="sng" dirty="0"/>
-              <a:t>/core.c:881: </a:t>
-            </a:r>
-            <a:r>
-              <a:rPr lang="en-US" u="sng" dirty="0" err="1"/>
-              <a:t>uv</a:t>
-            </a:r>
-            <a:r>
-              <a:rPr lang="en-US" u="sng" dirty="0"/>
-              <a:t>__</a:t>
-            </a:r>
-            <a:r>
-              <a:rPr lang="en-US" u="sng" dirty="0" err="1"/>
-              <a:t>io_stop</a:t>
-            </a:r>
-            <a:r>
-              <a:rPr lang="en-US" u="sng" dirty="0"/>
-              <a:t>: Assertion `loop-&gt;watchers[w-&gt;</a:t>
-            </a:r>
-            <a:r>
-              <a:rPr lang="en-US" u="sng" dirty="0" err="1"/>
-              <a:t>fd</a:t>
-            </a:r>
-            <a:r>
-              <a:rPr lang="en-US" u="sng" dirty="0"/>
-              <a:t>] == w' failed.</a:t>
-            </a:r>
+            <a:endParaRPr lang="en-IN" dirty="0">
+              <a:highlight>
+                <a:srgbClr val="EBECED"/>
+              </a:highlight>
+            </a:endParaRPr>
           </a:p>
           <a:p>
             <a:r>
-              <a:rPr lang="en-US" dirty="0"/>
-              <a:t> </a:t>
+              <a:rPr lang="en-IN" sz="1400" dirty="0">
+                <a:solidFill>
+                  <a:srgbClr val="C00000"/>
+                </a:solidFill>
+                <a:highlight>
+                  <a:srgbClr val="FFFF00"/>
+                </a:highlight>
+              </a:rPr>
+              <a:t>Aborted (core dumped)</a:t>
             </a:r>
           </a:p>
+        </p:txBody>
+      </p:sp>
+      <p:sp>
+        <p:nvSpPr>
+          <p:cNvPr id="11" name="Rectangle 10">
+            <a:extLst>
+              <a:ext uri="{FF2B5EF4-FFF2-40B4-BE49-F238E27FC236}">
+                <a16:creationId xmlns:a16="http://schemas.microsoft.com/office/drawing/2014/main" id="{0666672D-C8A1-4FFE-BF81-1725738C66E8}"/>
+              </a:ext>
+            </a:extLst>
+          </p:cNvPr>
+          <p:cNvSpPr/>
+          <p:nvPr/>
+        </p:nvSpPr>
+        <p:spPr>
+          <a:xfrm>
+            <a:off x="7820732" y="1524000"/>
+            <a:ext cx="3103735" cy="274627"/>
+          </a:xfrm>
+          <a:prstGeom prst="rect">
+            <a:avLst/>
+          </a:prstGeom>
+        </p:spPr>
+        <p:txBody>
+          <a:bodyPr wrap="none">
+            <a:spAutoFit/>
+          </a:bodyPr>
+          <a:lstStyle/>
           <a:p>
-            <a:r>
-              <a:rPr lang="en-US" dirty="0" smtClean="0"/>
-              <a:t>Due to this error node server shutting down.</a:t>
-            </a:r>
-          </a:p>
-          <a:p>
-            <a:endParaRPr lang="en-US" dirty="0"/>
-          </a:p>
-          <a:p>
-            <a:r>
-              <a:rPr lang="en-US" dirty="0">
-                <a:latin typeface="Calibri" panose="020F0502020204030204" pitchFamily="34" charset="0"/>
-                <a:ea typeface="Calibri" panose="020F0502020204030204" pitchFamily="34" charset="0"/>
-                <a:cs typeface="Times New Roman" panose="02020603050405020304" pitchFamily="18" charset="0"/>
+            <a:pPr algn="ctr">
+              <a:lnSpc>
+                <a:spcPct val="115000"/>
+              </a:lnSpc>
+            </a:pPr>
+            <a:r>
+              <a:rPr lang="en-US" sz="1100" dirty="0">
+                <a:highlight>
+                  <a:srgbClr val="FFFF00"/>
+                </a:highlight>
               </a:rPr>
-              <a:t>2</a:t>
-            </a:r>
-            <a:r>
-              <a:rPr lang="en-US" dirty="0" smtClean="0">
-                <a:latin typeface="Calibri" panose="020F0502020204030204" pitchFamily="34" charset="0"/>
-                <a:ea typeface="Calibri" panose="020F0502020204030204" pitchFamily="34" charset="0"/>
-                <a:cs typeface="Times New Roman" panose="02020603050405020304" pitchFamily="18" charset="0"/>
-              </a:rPr>
-              <a:t>) </a:t>
-            </a:r>
-            <a:r>
-              <a:rPr lang="en-IN" dirty="0" smtClean="0">
-                <a:latin typeface="Calibri" panose="020F0502020204030204" pitchFamily="34" charset="0"/>
-                <a:ea typeface="Calibri" panose="020F0502020204030204" pitchFamily="34" charset="0"/>
-                <a:cs typeface="Times New Roman" panose="02020603050405020304" pitchFamily="18" charset="0"/>
-              </a:rPr>
-              <a:t>Null </a:t>
-            </a:r>
-            <a:r>
-              <a:rPr lang="en-IN" dirty="0">
-                <a:latin typeface="Calibri" panose="020F0502020204030204" pitchFamily="34" charset="0"/>
-                <a:ea typeface="Calibri" panose="020F0502020204030204" pitchFamily="34" charset="0"/>
-                <a:cs typeface="Times New Roman" panose="02020603050405020304" pitchFamily="18" charset="0"/>
-              </a:rPr>
-              <a:t>exception encounter continuously, Due to that application down.</a:t>
-            </a:r>
-          </a:p>
-          <a:p>
-            <a:endParaRPr lang="en-US" dirty="0"/>
-          </a:p>
-          <a:p>
-            <a:r>
-              <a:rPr lang="en-US" dirty="0"/>
-              <a:t> </a:t>
-            </a:r>
-            <a:r>
-              <a:rPr lang="en-IN" dirty="0">
-                <a:latin typeface="Calibri" panose="020F0502020204030204" pitchFamily="34" charset="0"/>
-              </a:rPr>
-              <a:t/>
-            </a:r>
-            <a:br>
-              <a:rPr lang="en-IN" dirty="0">
-                <a:latin typeface="Calibri" panose="020F0502020204030204" pitchFamily="34" charset="0"/>
-              </a:rPr>
-            </a:br>
-            <a:endParaRPr lang="en-US" dirty="0">
+              <a:t>&lt;--Due to this error node server shutting down</a:t>
+            </a:r>
+            <a:endParaRPr lang="en-US" sz="1100" dirty="0">
+              <a:solidFill>
+                <a:schemeClr val="dk1"/>
+              </a:solidFill>
+              <a:highlight>
+                <a:srgbClr val="FFFF00"/>
+              </a:highlight>
               <a:latin typeface="Calibri" panose="020F0502020204030204" pitchFamily="34" charset="0"/>
-              <a:ea typeface="Calibri" panose="020F0502020204030204" pitchFamily="34" charset="0"/>
-              <a:cs typeface="Times New Roman" panose="02020603050405020304" pitchFamily="18" charset="0"/>
             </a:endParaRPr>
           </a:p>
         </p:txBody>
       </p:sp>
       <p:sp>
         <p:nvSpPr>
-          <p:cNvPr id="8" name="Rectangle 7"/>
-          <p:cNvSpPr/>
+          <p:cNvPr id="12" name="TextBox 11">
+            <a:extLst>
+              <a:ext uri="{FF2B5EF4-FFF2-40B4-BE49-F238E27FC236}">
+                <a16:creationId xmlns:a16="http://schemas.microsoft.com/office/drawing/2014/main" id="{40D4EE2F-D8C4-4D49-BF16-C8E788F2ED30}"/>
+              </a:ext>
+            </a:extLst>
+          </p:cNvPr>
+          <p:cNvSpPr txBox="1"/>
           <p:nvPr/>
         </p:nvSpPr>
         <p:spPr>
           <a:xfrm>
-            <a:off x="336395" y="4724400"/>
-            <a:ext cx="6096000" cy="923330"/>
+            <a:off x="281152" y="850175"/>
+            <a:ext cx="11277600" cy="2708434"/>
           </a:xfrm>
           <a:prstGeom prst="rect">
             <a:avLst/>
           </a:prstGeom>
+          <a:noFill/>
         </p:spPr>
         <p:txBody>
-          <a:bodyPr>
+          <a:bodyPr wrap="square" rtlCol="0">
             <a:spAutoFit/>
           </a:bodyPr>
           <a:lstStyle/>
           <a:p>
-            <a:endParaRPr lang="en-US" dirty="0"/>
+            <a:pPr fontAlgn="t"/>
+            <a:r>
+              <a:rPr lang="en-US" b="1" dirty="0"/>
+              <a:t>RCA</a:t>
+            </a:r>
           </a:p>
           <a:p>
-            <a:r>
-              <a:rPr lang="en-US" u="sng" dirty="0">
-                <a:hlinkClick r:id="rId2"/>
-              </a:rPr>
-              <a:t>https://github.com/joyent/libuv/issues/1348</a:t>
-            </a:r>
-            <a:endParaRPr lang="en-US" dirty="0"/>
+            <a:pPr marL="342900" indent="-342900" fontAlgn="t">
+              <a:buFont typeface="+mj-lt"/>
+              <a:buAutoNum type="arabicPeriod"/>
+            </a:pPr>
+            <a:r>
+              <a:rPr lang="en-US" sz="1400" dirty="0"/>
+              <a:t>UI services getting down due to this error preparing request node:</a:t>
+            </a:r>
           </a:p>
           <a:p>
-            <a:r>
-              <a:rPr lang="en-US" u="sng" dirty="0">
-                <a:hlinkClick r:id="rId3"/>
+            <a:pPr fontAlgn="t"/>
+            <a:endParaRPr lang="en-IN" sz="1400" dirty="0"/>
+          </a:p>
+          <a:p>
+            <a:r>
+              <a:rPr lang="en-US" sz="1200" b="1" u="sng" dirty="0">
+                <a:highlight>
+                  <a:srgbClr val="EBECED"/>
+                </a:highlight>
               </a:rPr>
+              <a:t>../deps/</a:t>
+            </a:r>
+            <a:r>
+              <a:rPr lang="en-US" sz="1200" b="1" u="sng" dirty="0" err="1">
+                <a:highlight>
+                  <a:srgbClr val="EBECED"/>
+                </a:highlight>
+              </a:rPr>
+              <a:t>uv</a:t>
+            </a:r>
+            <a:r>
+              <a:rPr lang="en-US" sz="1200" b="1" u="sng" dirty="0">
+                <a:highlight>
+                  <a:srgbClr val="EBECED"/>
+                </a:highlight>
+              </a:rPr>
+              <a:t>/</a:t>
+            </a:r>
+            <a:r>
+              <a:rPr lang="en-US" sz="1200" b="1" u="sng" dirty="0" err="1">
+                <a:highlight>
+                  <a:srgbClr val="EBECED"/>
+                </a:highlight>
+              </a:rPr>
+              <a:t>src</a:t>
+            </a:r>
+            <a:r>
+              <a:rPr lang="en-US" sz="1200" b="1" u="sng" dirty="0">
+                <a:highlight>
+                  <a:srgbClr val="EBECED"/>
+                </a:highlight>
+              </a:rPr>
+              <a:t>/</a:t>
+            </a:r>
+            <a:r>
+              <a:rPr lang="en-US" sz="1200" b="1" u="sng" dirty="0" err="1">
+                <a:highlight>
+                  <a:srgbClr val="EBECED"/>
+                </a:highlight>
+              </a:rPr>
+              <a:t>unix</a:t>
+            </a:r>
+            <a:r>
+              <a:rPr lang="en-US" sz="1200" b="1" u="sng" dirty="0">
+                <a:highlight>
+                  <a:srgbClr val="EBECED"/>
+                </a:highlight>
+              </a:rPr>
+              <a:t>/core.c:881: </a:t>
+            </a:r>
+            <a:r>
+              <a:rPr lang="en-US" sz="1200" b="1" u="sng" dirty="0" err="1">
+                <a:highlight>
+                  <a:srgbClr val="EBECED"/>
+                </a:highlight>
+              </a:rPr>
+              <a:t>uv</a:t>
+            </a:r>
+            <a:r>
+              <a:rPr lang="en-US" sz="1200" b="1" u="sng" dirty="0">
+                <a:highlight>
+                  <a:srgbClr val="EBECED"/>
+                </a:highlight>
+              </a:rPr>
+              <a:t>__</a:t>
+            </a:r>
+            <a:r>
+              <a:rPr lang="en-US" sz="1200" b="1" u="sng" dirty="0" err="1">
+                <a:highlight>
+                  <a:srgbClr val="EBECED"/>
+                </a:highlight>
+              </a:rPr>
+              <a:t>io_stop</a:t>
+            </a:r>
+            <a:r>
+              <a:rPr lang="en-US" sz="1200" b="1" u="sng" dirty="0">
+                <a:highlight>
+                  <a:srgbClr val="EBECED"/>
+                </a:highlight>
+              </a:rPr>
+              <a:t>: Assertion `loop-&gt;watchers[w-&gt;</a:t>
+            </a:r>
+            <a:r>
+              <a:rPr lang="en-US" sz="1200" b="1" u="sng" dirty="0" err="1">
+                <a:highlight>
+                  <a:srgbClr val="EBECED"/>
+                </a:highlight>
+              </a:rPr>
+              <a:t>fd</a:t>
+            </a:r>
+            <a:r>
+              <a:rPr lang="en-US" sz="1200" b="1" u="sng" dirty="0">
+                <a:highlight>
+                  <a:srgbClr val="EBECED"/>
+                </a:highlight>
+              </a:rPr>
+              <a:t>] == w' failed</a:t>
+            </a:r>
+          </a:p>
+          <a:p>
+            <a:endParaRPr lang="en-IN" sz="1200" dirty="0">
+              <a:highlight>
+                <a:srgbClr val="EBECED"/>
+              </a:highlight>
+            </a:endParaRPr>
+          </a:p>
+          <a:p>
+            <a:pPr marL="342900" indent="-342900" fontAlgn="t">
+              <a:buFont typeface="+mj-lt"/>
+              <a:buAutoNum type="arabicPeriod" startAt="2"/>
+            </a:pPr>
+            <a:r>
+              <a:rPr lang="en-IN" sz="1400" dirty="0"/>
+              <a:t> Null exception encounter continuously, Due to that application down</a:t>
+            </a:r>
+            <a:r>
+              <a:rPr lang="en-IN" dirty="0"/>
+              <a:t>.</a:t>
+            </a:r>
+          </a:p>
+          <a:p>
+            <a:pPr fontAlgn="t"/>
+            <a:endParaRPr lang="en-US" b="1" dirty="0"/>
+          </a:p>
+          <a:p>
+            <a:pPr fontAlgn="t"/>
+            <a:r>
+              <a:rPr lang="en-US" b="1" dirty="0"/>
+              <a:t>Reference Links</a:t>
+            </a:r>
+            <a:endParaRPr lang="en-IN" b="1" dirty="0"/>
+          </a:p>
+          <a:p>
+            <a:r>
+              <a:rPr lang="en-US" sz="1400" u="sng" dirty="0"/>
+              <a:t>https://github.com/joyent/libuv/issues/1348</a:t>
+            </a:r>
+            <a:endParaRPr lang="en-IN" sz="1400" dirty="0"/>
+          </a:p>
+          <a:p>
+            <a:r>
+              <a:rPr lang="en-US" sz="1400" u="sng" dirty="0"/>
               <a:t>https://github.com/joyent/libuv/issues/838</a:t>
             </a:r>
-            <a:endParaRPr lang="en-US" dirty="0"/>
+            <a:endParaRPr lang="en-IN" sz="1400" dirty="0"/>
           </a:p>
-        </p:txBody>
-      </p:sp>
-      <p:sp>
-        <p:nvSpPr>
-          <p:cNvPr id="9" name="Text Placeholder 1"/>
-          <p:cNvSpPr>
-            <a:spLocks noGrp="1"/>
-          </p:cNvSpPr>
-          <p:nvPr>
-            <p:ph type="body" sz="quarter" idx="10"/>
-          </p:nvPr>
-        </p:nvSpPr>
-        <p:spPr>
-          <a:xfrm>
-            <a:off x="304800" y="3977522"/>
-            <a:ext cx="5098006" cy="609600"/>
-          </a:xfrm>
-        </p:spPr>
-        <p:txBody>
-          <a:bodyPr/>
-          <a:lstStyle/>
           <a:p>
-            <a:r>
-              <a:rPr lang="en-US" b="1" dirty="0" smtClean="0">
-                <a:latin typeface="Century" panose="02040604050505020304" pitchFamily="18" charset="0"/>
-              </a:rPr>
-              <a:t>Reference Links</a:t>
-            </a:r>
-            <a:endParaRPr lang="en-US" b="1" dirty="0"/>
+            <a:endParaRPr lang="en-IN" dirty="0"/>
           </a:p>
         </p:txBody>
       </p:sp>
@@ -54356,13 +54299,6 @@
   <p:clrMapOvr>
     <a:masterClrMapping/>
   </p:clrMapOvr>
-  <p:timing>
-    <p:tnLst>
-      <p:par>
-        <p:cTn id="1" dur="indefinite" restart="never" nodeType="tmRoot"/>
-      </p:par>
-    </p:tnLst>
-  </p:timing>
 </p:sld>
 </file>
 
@@ -54385,98 +54321,544 @@
       </p:grpSpPr>
       <p:sp>
         <p:nvSpPr>
-          <p:cNvPr id="2" name="Text Placeholder 1"/>
-          <p:cNvSpPr>
-            <a:spLocks noGrp="1"/>
-          </p:cNvSpPr>
-          <p:nvPr>
-            <p:ph type="body" sz="quarter" idx="10"/>
-          </p:nvPr>
+          <p:cNvPr id="7" name="TextBox 6">
+            <a:extLst>
+              <a:ext uri="{FF2B5EF4-FFF2-40B4-BE49-F238E27FC236}">
+                <a16:creationId xmlns:a16="http://schemas.microsoft.com/office/drawing/2014/main" id="{65B99C6C-85A7-4704-95E4-CA31239F6B8C}"/>
+              </a:ext>
+            </a:extLst>
+          </p:cNvPr>
+          <p:cNvSpPr txBox="1"/>
+          <p:nvPr/>
         </p:nvSpPr>
         <p:spPr>
           <a:xfrm>
-            <a:off x="304800" y="228600"/>
-            <a:ext cx="3276600" cy="609600"/>
-          </a:xfrm>
-        </p:spPr>
-        <p:txBody>
-          <a:bodyPr/>
-          <a:lstStyle/>
-          <a:p>
-            <a:pPr algn="l"/>
-            <a:r>
-              <a:rPr lang="en-US" b="1" dirty="0" smtClean="0">
-                <a:latin typeface="Century" panose="02040604050505020304" pitchFamily="18" charset="0"/>
-              </a:rPr>
-              <a:t>Analysis</a:t>
-            </a:r>
-            <a:endParaRPr lang="en-US" b="1" dirty="0">
-              <a:latin typeface="Century" panose="02040604050505020304" pitchFamily="18" charset="0"/>
-            </a:endParaRPr>
-          </a:p>
-        </p:txBody>
-      </p:sp>
-      <p:sp>
-        <p:nvSpPr>
-          <p:cNvPr id="4" name="Text Placeholder 3"/>
-          <p:cNvSpPr>
-            <a:spLocks noGrp="1"/>
-          </p:cNvSpPr>
-          <p:nvPr>
-            <p:ph type="body" sz="quarter" idx="11"/>
-          </p:nvPr>
-        </p:nvSpPr>
-        <p:spPr>
-          <a:xfrm>
-            <a:off x="304800" y="914400"/>
-            <a:ext cx="10283434" cy="457200"/>
-          </a:xfrm>
-        </p:spPr>
-        <p:txBody>
-          <a:bodyPr/>
-          <a:lstStyle/>
-          <a:p>
-            <a:r>
-              <a:rPr lang="en-US" dirty="0" smtClean="0"/>
-              <a:t>This issue occurred when </a:t>
-            </a:r>
-            <a:r>
-              <a:rPr lang="en-US" dirty="0"/>
-              <a:t>multiple requests at a time</a:t>
-            </a:r>
-          </a:p>
-        </p:txBody>
-      </p:sp>
-      <p:pic>
-        <p:nvPicPr>
-          <p:cNvPr id="5" name="Picture 4"/>
-          <p:cNvPicPr>
-            <a:picLocks noChangeAspect="1"/>
-          </p:cNvPicPr>
-          <p:nvPr/>
-        </p:nvPicPr>
-        <p:blipFill>
-          <a:blip r:embed="rId2">
-            <a:extLst>
-              <a:ext uri="{28A0092B-C50C-407E-A947-70E740481C1C}">
-                <a14:useLocalDpi xmlns:a14="http://schemas.microsoft.com/office/drawing/2010/main" val="0"/>
-              </a:ext>
-            </a:extLst>
-          </a:blip>
-          <a:stretch>
-            <a:fillRect/>
-          </a:stretch>
-        </p:blipFill>
-        <p:spPr>
-          <a:xfrm>
-            <a:off x="381000" y="1600200"/>
-            <a:ext cx="8462963" cy="4434150"/>
+            <a:off x="304800" y="76200"/>
+            <a:ext cx="10972800" cy="6124754"/>
           </a:xfrm>
           <a:prstGeom prst="rect">
             <a:avLst/>
           </a:prstGeom>
+          <a:noFill/>
         </p:spPr>
-      </p:pic>
+        <p:txBody>
+          <a:bodyPr wrap="square" rtlCol="0">
+            <a:spAutoFit/>
+          </a:bodyPr>
+          <a:lstStyle/>
+          <a:p>
+            <a:endParaRPr lang="en-IN" sz="1100" dirty="0">
+              <a:solidFill>
+                <a:srgbClr val="C00000"/>
+              </a:solidFill>
+              <a:highlight>
+                <a:srgbClr val="FFFF00"/>
+              </a:highlight>
+            </a:endParaRPr>
+          </a:p>
+          <a:p>
+            <a:r>
+              <a:rPr lang="en-US" sz="1100" dirty="0">
+                <a:solidFill>
+                  <a:srgbClr val="063161"/>
+                </a:solidFill>
+              </a:rPr>
+              <a:t>Then after get this idea, We converted async call which improved the situation a bit. But after we faced:</a:t>
+            </a:r>
+          </a:p>
+          <a:p>
+            <a:endParaRPr lang="en-US" sz="1100" dirty="0">
+              <a:solidFill>
+                <a:srgbClr val="063161"/>
+              </a:solidFill>
+            </a:endParaRPr>
+          </a:p>
+          <a:p>
+            <a:r>
+              <a:rPr lang="en-US" sz="1200" dirty="0">
+                <a:highlight>
+                  <a:srgbClr val="EBECED"/>
+                </a:highlight>
+              </a:rPr>
+              <a:t>Node:../deps/UV/</a:t>
+            </a:r>
+            <a:r>
+              <a:rPr lang="en-US" sz="1200" dirty="0" err="1">
+                <a:highlight>
+                  <a:srgbClr val="EBECED"/>
+                </a:highlight>
+              </a:rPr>
+              <a:t>src</a:t>
+            </a:r>
+            <a:r>
+              <a:rPr lang="en-US" sz="1200" dirty="0">
+                <a:highlight>
+                  <a:srgbClr val="EBECED"/>
+                </a:highlight>
+              </a:rPr>
+              <a:t>/</a:t>
+            </a:r>
+            <a:r>
+              <a:rPr lang="en-US" sz="1200" dirty="0" err="1">
+                <a:highlight>
+                  <a:srgbClr val="EBECED"/>
+                </a:highlight>
+              </a:rPr>
+              <a:t>unix</a:t>
+            </a:r>
+            <a:r>
+              <a:rPr lang="en-US" sz="1200" dirty="0">
+                <a:highlight>
+                  <a:srgbClr val="EBECED"/>
+                </a:highlight>
+              </a:rPr>
+              <a:t>/async.c:130:uv_async_io:Assertion ‘n==</a:t>
+            </a:r>
+            <a:r>
+              <a:rPr lang="en-US" sz="1200" dirty="0" err="1">
+                <a:highlight>
+                  <a:srgbClr val="EBECED"/>
+                </a:highlight>
+              </a:rPr>
+              <a:t>sizeof</a:t>
+            </a:r>
+            <a:r>
+              <a:rPr lang="en-US" sz="1200" dirty="0">
+                <a:highlight>
+                  <a:srgbClr val="EBECED"/>
+                </a:highlight>
+              </a:rPr>
+              <a:t>(</a:t>
+            </a:r>
+            <a:r>
+              <a:rPr lang="en-US" sz="1200" dirty="0" err="1">
+                <a:highlight>
+                  <a:srgbClr val="EBECED"/>
+                </a:highlight>
+              </a:rPr>
+              <a:t>val</a:t>
+            </a:r>
+            <a:r>
+              <a:rPr lang="en-US" sz="1200" dirty="0">
+                <a:highlight>
+                  <a:srgbClr val="EBECED"/>
+                </a:highlight>
+              </a:rPr>
+              <a:t>)’ failed.</a:t>
+            </a:r>
+          </a:p>
+          <a:p>
+            <a:endParaRPr lang="en-US" sz="1100" dirty="0">
+              <a:solidFill>
+                <a:srgbClr val="C00000"/>
+              </a:solidFill>
+              <a:highlight>
+                <a:srgbClr val="FFFF00"/>
+              </a:highlight>
+            </a:endParaRPr>
+          </a:p>
+          <a:p>
+            <a:r>
+              <a:rPr lang="en-US" sz="1100" dirty="0">
+                <a:solidFill>
+                  <a:srgbClr val="C00000"/>
+                </a:solidFill>
+                <a:highlight>
+                  <a:srgbClr val="FFFF00"/>
+                </a:highlight>
+              </a:rPr>
+              <a:t>Aborted (core dumped)</a:t>
+            </a:r>
+          </a:p>
+          <a:p>
+            <a:endParaRPr lang="en-US" sz="1100" dirty="0">
+              <a:solidFill>
+                <a:srgbClr val="C00000"/>
+              </a:solidFill>
+            </a:endParaRPr>
+          </a:p>
+          <a:p>
+            <a:r>
+              <a:rPr lang="en-US" sz="1100" dirty="0">
+                <a:solidFill>
+                  <a:srgbClr val="063161"/>
+                </a:solidFill>
+              </a:rPr>
+              <a:t>Node –version</a:t>
+            </a:r>
+          </a:p>
+          <a:p>
+            <a:r>
+              <a:rPr lang="en-US" sz="1100" dirty="0">
+                <a:solidFill>
+                  <a:srgbClr val="063161"/>
+                </a:solidFill>
+              </a:rPr>
+              <a:t>V5.2.0</a:t>
+            </a:r>
+          </a:p>
+          <a:p>
+            <a:endParaRPr lang="en-US" sz="1100" dirty="0">
+              <a:solidFill>
+                <a:srgbClr val="063161"/>
+              </a:solidFill>
+            </a:endParaRPr>
+          </a:p>
+          <a:p>
+            <a:r>
+              <a:rPr lang="en-US" sz="1100" dirty="0" err="1">
+                <a:solidFill>
+                  <a:srgbClr val="063161"/>
+                </a:solidFill>
+              </a:rPr>
+              <a:t>Npm</a:t>
+            </a:r>
+            <a:r>
+              <a:rPr lang="en-US" sz="1100" dirty="0">
+                <a:solidFill>
+                  <a:srgbClr val="063161"/>
+                </a:solidFill>
+              </a:rPr>
+              <a:t> –version</a:t>
+            </a:r>
+          </a:p>
+          <a:p>
+            <a:r>
+              <a:rPr lang="en-US" sz="1100" dirty="0">
+                <a:solidFill>
+                  <a:srgbClr val="063161"/>
+                </a:solidFill>
+              </a:rPr>
+              <a:t>3.9.5                                          </a:t>
+            </a:r>
+          </a:p>
+          <a:p>
+            <a:endParaRPr lang="en-US" sz="1100" dirty="0">
+              <a:solidFill>
+                <a:srgbClr val="063161"/>
+              </a:solidFill>
+            </a:endParaRPr>
+          </a:p>
+          <a:p>
+            <a:r>
+              <a:rPr lang="en-US" sz="1100" b="1" dirty="0">
+                <a:solidFill>
+                  <a:srgbClr val="063161"/>
+                </a:solidFill>
+              </a:rPr>
+              <a:t>Note:  </a:t>
+            </a:r>
+            <a:r>
+              <a:rPr lang="en-US" sz="1100" dirty="0">
+                <a:solidFill>
+                  <a:srgbClr val="000000"/>
+                </a:solidFill>
+              </a:rPr>
+              <a:t>It happens only when we run load test, means multiple request at a time.</a:t>
+            </a:r>
+          </a:p>
+          <a:p>
+            <a:endParaRPr lang="en-US" sz="1100" u="sng" dirty="0">
+              <a:solidFill>
+                <a:srgbClr val="063161"/>
+              </a:solidFill>
+              <a:highlight>
+                <a:srgbClr val="FFFF00"/>
+              </a:highlight>
+            </a:endParaRPr>
+          </a:p>
+          <a:p>
+            <a:r>
+              <a:rPr lang="en-US" sz="1600" u="sng" dirty="0"/>
+              <a:t>There are 2 issues with the (original) test case</a:t>
+            </a:r>
+            <a:r>
+              <a:rPr lang="en-US" sz="1600" dirty="0"/>
+              <a:t>:</a:t>
+            </a:r>
+          </a:p>
+          <a:p>
+            <a:endParaRPr lang="en-US" sz="1400" dirty="0"/>
+          </a:p>
+          <a:p>
+            <a:pPr marL="228600" indent="-228600">
+              <a:buFont typeface="+mj-lt"/>
+              <a:buAutoNum type="arabicPeriod"/>
+            </a:pPr>
+            <a:r>
+              <a:rPr lang="en-US" sz="1100" dirty="0"/>
+              <a:t>Arbitrary file description are fed to create streams.</a:t>
+            </a:r>
+          </a:p>
+          <a:p>
+            <a:pPr marL="228600" indent="-228600">
+              <a:buFont typeface="+mj-lt"/>
+              <a:buAutoNum type="arabicPeriod"/>
+            </a:pPr>
+            <a:endParaRPr lang="en-US" sz="1100" dirty="0"/>
+          </a:p>
+          <a:p>
+            <a:pPr marL="228600" indent="-228600">
+              <a:buFont typeface="+mj-lt"/>
+              <a:buAutoNum type="arabicPeriod"/>
+            </a:pPr>
+            <a:r>
+              <a:rPr lang="en-US" sz="1100" dirty="0"/>
+              <a:t>Some are bad, some are already in-use: either by Node.js or </a:t>
+            </a:r>
+            <a:r>
+              <a:rPr lang="en-US" sz="1100" dirty="0" err="1"/>
+              <a:t>libuv</a:t>
+            </a:r>
+            <a:endParaRPr lang="en-US" sz="1100" dirty="0"/>
+          </a:p>
+          <a:p>
+            <a:pPr marL="228600" indent="-228600">
+              <a:buFont typeface="+mj-lt"/>
+              <a:buAutoNum type="arabicPeriod"/>
+            </a:pPr>
+            <a:endParaRPr lang="en-US" sz="1100" dirty="0"/>
+          </a:p>
+          <a:p>
+            <a:r>
+              <a:rPr lang="en-US" sz="1100" dirty="0"/>
+              <a:t>Smallest code to reproduce the issue:</a:t>
+            </a:r>
+          </a:p>
+          <a:p>
+            <a:endParaRPr lang="en-US" sz="1100" dirty="0"/>
+          </a:p>
+          <a:p>
+            <a:r>
+              <a:rPr lang="en-US" sz="1100" dirty="0">
+                <a:highlight>
+                  <a:srgbClr val="EBECED"/>
+                </a:highlight>
+              </a:rPr>
+              <a:t>#node –e “new require(‘net).Socket({fd:8}).write(‘g’)”</a:t>
+            </a:r>
+          </a:p>
+          <a:p>
+            <a:endParaRPr lang="en-US" sz="1100" dirty="0"/>
+          </a:p>
+          <a:p>
+            <a:r>
+              <a:rPr lang="en-US" sz="1100" dirty="0">
+                <a:highlight>
+                  <a:srgbClr val="EBECED"/>
+                </a:highlight>
+              </a:rPr>
+              <a:t>Assertion failed: (loop-&gt;watchers[w-&gt;</a:t>
+            </a:r>
+            <a:r>
+              <a:rPr lang="en-US" sz="1100" dirty="0" err="1">
+                <a:highlight>
+                  <a:srgbClr val="EBECED"/>
+                </a:highlight>
+              </a:rPr>
+              <a:t>fd</a:t>
+            </a:r>
+            <a:r>
+              <a:rPr lang="en-US" sz="1100" dirty="0">
+                <a:highlight>
+                  <a:srgbClr val="EBECED"/>
+                </a:highlight>
+              </a:rPr>
+              <a:t>]==w), function </a:t>
+            </a:r>
+            <a:r>
+              <a:rPr lang="en-US" sz="1100" dirty="0" err="1">
+                <a:highlight>
+                  <a:srgbClr val="EBECED"/>
+                </a:highlight>
+              </a:rPr>
+              <a:t>uv_io_stop</a:t>
+            </a:r>
+            <a:r>
+              <a:rPr lang="en-US" sz="1100" dirty="0">
+                <a:highlight>
+                  <a:srgbClr val="EBECED"/>
+                </a:highlight>
+              </a:rPr>
+              <a:t>, file ..//deps/</a:t>
+            </a:r>
+            <a:r>
+              <a:rPr lang="en-US" sz="1100" dirty="0" err="1">
+                <a:highlight>
+                  <a:srgbClr val="EBECED"/>
+                </a:highlight>
+              </a:rPr>
+              <a:t>uv</a:t>
+            </a:r>
+            <a:r>
+              <a:rPr lang="en-US" sz="1100" dirty="0">
+                <a:highlight>
+                  <a:srgbClr val="EBECED"/>
+                </a:highlight>
+              </a:rPr>
+              <a:t>/</a:t>
+            </a:r>
+            <a:r>
+              <a:rPr lang="en-US" sz="1100" dirty="0" err="1">
+                <a:highlight>
+                  <a:srgbClr val="EBECED"/>
+                </a:highlight>
+              </a:rPr>
+              <a:t>src</a:t>
+            </a:r>
+            <a:r>
+              <a:rPr lang="en-US" sz="1100" dirty="0">
+                <a:highlight>
+                  <a:srgbClr val="EBECED"/>
+                </a:highlight>
+              </a:rPr>
+              <a:t>/</a:t>
+            </a:r>
+            <a:r>
+              <a:rPr lang="en-US" sz="1100" dirty="0" err="1">
+                <a:highlight>
+                  <a:srgbClr val="EBECED"/>
+                </a:highlight>
+              </a:rPr>
+              <a:t>unix</a:t>
+            </a:r>
+            <a:r>
+              <a:rPr lang="en-US" sz="1100" dirty="0">
+                <a:highlight>
+                  <a:srgbClr val="EBECED"/>
+                </a:highlight>
+              </a:rPr>
+              <a:t>/core.</a:t>
+            </a:r>
+          </a:p>
+          <a:p>
+            <a:endParaRPr lang="en-US" sz="1100" dirty="0"/>
+          </a:p>
+          <a:p>
+            <a:r>
+              <a:rPr lang="en-US" sz="1100" dirty="0">
+                <a:solidFill>
+                  <a:srgbClr val="063161"/>
+                </a:solidFill>
+                <a:highlight>
+                  <a:srgbClr val="FFFF00"/>
+                </a:highlight>
+              </a:rPr>
+              <a:t>Abort trap: 6</a:t>
+            </a:r>
+          </a:p>
+          <a:p>
+            <a:endParaRPr lang="en-US" sz="1100" dirty="0">
+              <a:solidFill>
+                <a:srgbClr val="063161"/>
+              </a:solidFill>
+              <a:highlight>
+                <a:srgbClr val="FFFF00"/>
+              </a:highlight>
+            </a:endParaRPr>
+          </a:p>
+          <a:p>
+            <a:r>
+              <a:rPr lang="en-US" sz="1100" dirty="0">
+                <a:solidFill>
+                  <a:srgbClr val="063161"/>
+                </a:solidFill>
+              </a:rPr>
+              <a:t>The </a:t>
+            </a:r>
+            <a:r>
+              <a:rPr lang="en-US" sz="1100" dirty="0" err="1">
+                <a:solidFill>
+                  <a:srgbClr val="063161"/>
+                </a:solidFill>
+              </a:rPr>
+              <a:t>fd</a:t>
+            </a:r>
+            <a:r>
+              <a:rPr lang="en-US" sz="1100" dirty="0">
+                <a:solidFill>
+                  <a:srgbClr val="063161"/>
+                </a:solidFill>
+              </a:rPr>
+              <a:t># may not be 8 always, But in and around. In my MAC with a Node version it is 8, and in Linux it is 6. This </a:t>
+            </a:r>
+            <a:r>
+              <a:rPr lang="en-US" sz="1100" dirty="0" err="1">
+                <a:solidFill>
+                  <a:srgbClr val="063161"/>
+                </a:solidFill>
+              </a:rPr>
+              <a:t>fd</a:t>
+            </a:r>
+            <a:r>
+              <a:rPr lang="en-US" sz="1100" dirty="0">
+                <a:solidFill>
+                  <a:srgbClr val="063161"/>
+                </a:solidFill>
+              </a:rPr>
+              <a:t> is already opened and in use by Node for signal watching.</a:t>
+            </a:r>
+          </a:p>
+          <a:p>
+            <a:r>
+              <a:rPr lang="en-US" sz="1100" dirty="0">
+                <a:solidFill>
+                  <a:srgbClr val="063161"/>
+                </a:solidFill>
+              </a:rPr>
+              <a:t>A new stream object is created with this </a:t>
+            </a:r>
+            <a:r>
+              <a:rPr lang="en-US" sz="1100" dirty="0" err="1">
+                <a:solidFill>
+                  <a:srgbClr val="063161"/>
+                </a:solidFill>
+              </a:rPr>
+              <a:t>fd</a:t>
+            </a:r>
+            <a:r>
+              <a:rPr lang="en-US" sz="1100" dirty="0">
+                <a:solidFill>
+                  <a:srgbClr val="063161"/>
+                </a:solidFill>
+              </a:rPr>
+              <a:t> as the data source.</a:t>
+            </a:r>
+          </a:p>
+          <a:p>
+            <a:r>
+              <a:rPr lang="en-US" sz="1100" dirty="0">
+                <a:solidFill>
+                  <a:srgbClr val="063161"/>
+                </a:solidFill>
+              </a:rPr>
+              <a:t>Attempt to insert the watcher into the  watch queue did not succeed as we do index the watcher array with the </a:t>
+            </a:r>
+            <a:r>
+              <a:rPr lang="en-US" sz="1100" dirty="0" err="1">
+                <a:solidFill>
+                  <a:srgbClr val="063161"/>
+                </a:solidFill>
+              </a:rPr>
+              <a:t>fd</a:t>
+            </a:r>
+            <a:r>
+              <a:rPr lang="en-US" sz="1100" dirty="0">
+                <a:solidFill>
+                  <a:srgbClr val="063161"/>
+                </a:solidFill>
+              </a:rPr>
+              <a:t> number, and the signal watcher is already present at the index [8]</a:t>
+            </a:r>
+          </a:p>
+          <a:p>
+            <a:endParaRPr lang="en-US" sz="1100" dirty="0"/>
+          </a:p>
+          <a:p>
+            <a:endParaRPr lang="en-US" sz="1100" dirty="0"/>
+          </a:p>
+        </p:txBody>
+      </p:sp>
     </p:spTree>
     <p:extLst>
       <p:ext uri="{BB962C8B-B14F-4D97-AF65-F5344CB8AC3E}">
@@ -54487,13 +54869,6 @@
   <p:clrMapOvr>
     <a:masterClrMapping/>
   </p:clrMapOvr>
-  <p:timing>
-    <p:tnLst>
-      <p:par>
-        <p:cTn id="1" dur="indefinite" restart="never" nodeType="tmRoot"/>
-      </p:par>
-    </p:tnLst>
-  </p:timing>
 </p:sld>
 </file>
 
@@ -54514,107 +54889,180 @@
           <a:chExt cx="0" cy="0"/>
         </a:xfrm>
       </p:grpSpPr>
-      <p:pic>
-        <p:nvPicPr>
-          <p:cNvPr id="7" name="Picture 6"/>
-          <p:cNvPicPr>
-            <a:picLocks noChangeAspect="1"/>
-          </p:cNvPicPr>
-          <p:nvPr/>
-        </p:nvPicPr>
-        <p:blipFill>
-          <a:blip r:embed="rId2">
+      <p:sp>
+        <p:nvSpPr>
+          <p:cNvPr id="7" name="TextBox 6">
             <a:extLst>
-              <a:ext uri="{28A0092B-C50C-407E-A947-70E740481C1C}">
-                <a14:useLocalDpi xmlns:a14="http://schemas.microsoft.com/office/drawing/2010/main" val="0"/>
+              <a:ext uri="{FF2B5EF4-FFF2-40B4-BE49-F238E27FC236}">
+                <a16:creationId xmlns:a16="http://schemas.microsoft.com/office/drawing/2014/main" id="{65B99C6C-85A7-4704-95E4-CA31239F6B8C}"/>
               </a:ext>
             </a:extLst>
-          </a:blip>
-          <a:stretch>
-            <a:fillRect/>
-          </a:stretch>
-        </p:blipFill>
+          </p:cNvPr>
+          <p:cNvSpPr txBox="1"/>
+          <p:nvPr/>
+        </p:nvSpPr>
         <p:spPr>
           <a:xfrm>
-            <a:off x="533400" y="533399"/>
-            <a:ext cx="8001000" cy="5750351"/>
+            <a:off x="152400" y="152400"/>
+            <a:ext cx="9906000" cy="3354765"/>
           </a:xfrm>
           <a:prstGeom prst="rect">
             <a:avLst/>
           </a:prstGeom>
+          <a:noFill/>
         </p:spPr>
-      </p:pic>
+        <p:txBody>
+          <a:bodyPr wrap="square" rtlCol="0">
+            <a:spAutoFit/>
+          </a:bodyPr>
+          <a:lstStyle/>
+          <a:p>
+            <a:endParaRPr lang="en-US" sz="1100" dirty="0"/>
+          </a:p>
+          <a:p>
+            <a:r>
+              <a:rPr lang="en-US" sz="1100" dirty="0"/>
+              <a:t>Then the write is attempted on the stream which erred –as the </a:t>
+            </a:r>
+            <a:r>
+              <a:rPr lang="en-US" sz="1100" dirty="0" err="1"/>
+              <a:t>fd</a:t>
+            </a:r>
+            <a:r>
+              <a:rPr lang="en-US" sz="1100" dirty="0"/>
+              <a:t> 6 is read only, the reading end of the signal pipe.</a:t>
+            </a:r>
+          </a:p>
+          <a:p>
+            <a:endParaRPr lang="en-US" sz="1100" dirty="0"/>
+          </a:p>
+          <a:p>
+            <a:r>
+              <a:rPr lang="en-US" sz="1100" dirty="0"/>
+              <a:t>This caused the stream to be ended and the socket to be closed .</a:t>
+            </a:r>
+          </a:p>
+          <a:p>
+            <a:endParaRPr lang="en-US" sz="1100" dirty="0"/>
+          </a:p>
+          <a:p>
+            <a:r>
+              <a:rPr lang="en-US" sz="1100" b="1" dirty="0" err="1"/>
+              <a:t>Uv_io_stop</a:t>
+            </a:r>
+            <a:r>
+              <a:rPr lang="en-US" sz="1100" b="1" dirty="0"/>
+              <a:t> </a:t>
+            </a:r>
+            <a:r>
+              <a:rPr lang="en-US" sz="1100" dirty="0"/>
+              <a:t>is invoked that expects the watcher for this </a:t>
+            </a:r>
+            <a:r>
+              <a:rPr lang="en-US" sz="1100" dirty="0" err="1"/>
+              <a:t>fd</a:t>
+            </a:r>
+            <a:r>
+              <a:rPr lang="en-US" sz="1100" dirty="0"/>
+              <a:t> to be same as watcher in the array at the index pointed to by </a:t>
+            </a:r>
+            <a:r>
+              <a:rPr lang="en-US" sz="1100" dirty="0" err="1"/>
+              <a:t>fd</a:t>
+            </a:r>
+            <a:r>
+              <a:rPr lang="en-US" sz="1100" dirty="0"/>
+              <a:t>, which is not , leading to the failure. </a:t>
+            </a:r>
+          </a:p>
+          <a:p>
+            <a:endParaRPr lang="en-US" sz="1100" dirty="0">
+              <a:solidFill>
+                <a:srgbClr val="063161"/>
+              </a:solidFill>
+            </a:endParaRPr>
+          </a:p>
+          <a:p>
+            <a:r>
+              <a:rPr lang="en-US" sz="1400" b="1" dirty="0"/>
+              <a:t>We believe we should ensure:</a:t>
+            </a:r>
+          </a:p>
+          <a:p>
+            <a:endParaRPr lang="en-US" sz="1100" dirty="0"/>
+          </a:p>
+          <a:p>
+            <a:r>
+              <a:rPr lang="en-US" sz="1100" dirty="0">
+                <a:highlight>
+                  <a:srgbClr val="EBECED"/>
+                </a:highlight>
+              </a:rPr>
+              <a:t>Assert(loop-&gt;watcher[w-&gt;</a:t>
+            </a:r>
+            <a:r>
+              <a:rPr lang="en-US" sz="1100" dirty="0" err="1">
+                <a:highlight>
+                  <a:srgbClr val="EBECED"/>
+                </a:highlight>
+              </a:rPr>
+              <a:t>fd</a:t>
+            </a:r>
+            <a:r>
+              <a:rPr lang="en-US" sz="1100" dirty="0">
+                <a:highlight>
+                  <a:srgbClr val="EBECED"/>
+                </a:highlight>
+              </a:rPr>
+              <a:t>]==NULL)</a:t>
+            </a:r>
+          </a:p>
+          <a:p>
+            <a:endParaRPr lang="en-US" sz="1100" dirty="0"/>
+          </a:p>
+          <a:p>
+            <a:endParaRPr lang="en-US" sz="1100" dirty="0"/>
+          </a:p>
+          <a:p>
+            <a:r>
+              <a:rPr lang="en-US" sz="1100" dirty="0"/>
+              <a:t>While setting up a watcher too, to make the current assertion to be reasonable.</a:t>
+            </a:r>
+          </a:p>
+          <a:p>
+            <a:endParaRPr lang="en-US" sz="1100" dirty="0"/>
+          </a:p>
+          <a:p>
+            <a:r>
+              <a:rPr lang="en-US" sz="1100" dirty="0"/>
+              <a:t>Doing so does not help the test case, but catches faults much earlier.</a:t>
+            </a:r>
+          </a:p>
+          <a:p>
+            <a:endParaRPr lang="en-US" sz="1100" dirty="0"/>
+          </a:p>
+          <a:p>
+            <a:r>
+              <a:rPr lang="en-US" sz="1100" dirty="0"/>
+              <a:t>A standalone test case that does not involve arbitrary fds in the picture:</a:t>
+            </a:r>
+          </a:p>
+          <a:p>
+            <a:endParaRPr lang="en-IN" sz="1100" dirty="0">
+              <a:solidFill>
+                <a:srgbClr val="063161"/>
+              </a:solidFill>
+              <a:highlight>
+                <a:srgbClr val="FFFF00"/>
+              </a:highlight>
+            </a:endParaRPr>
+          </a:p>
+        </p:txBody>
+      </p:sp>
     </p:spTree>
     <p:extLst>
       <p:ext uri="{BB962C8B-B14F-4D97-AF65-F5344CB8AC3E}">
-        <p14:creationId xmlns:p14="http://schemas.microsoft.com/office/powerpoint/2010/main" val="934351872"/>
-      </p:ext>
-    </p:extLst>
-  </p:cSld>
-  <p:clrMapOvr>
-    <a:masterClrMapping/>
-  </p:clrMapOvr>
-  <p:timing>
-    <p:tnLst>
-      <p:par>
-        <p:cTn id="1" dur="indefinite" restart="never" nodeType="tmRoot"/>
-      </p:par>
-    </p:tnLst>
-  </p:timing>
-</p:sld>
-</file>
-
-<file path=ppt/slides/slide6.xml><?xml version="1.0" encoding="utf-8"?>
-<p:sld xmlns:a="http://schemas.openxmlformats.org/drawingml/2006/main" xmlns:r="http://schemas.openxmlformats.org/officeDocument/2006/relationships" xmlns:p="http://schemas.openxmlformats.org/presentationml/2006/main">
-  <p:cSld>
-    <p:spTree>
-      <p:nvGrpSpPr>
-        <p:cNvPr id="1" name=""/>
-        <p:cNvGrpSpPr/>
-        <p:nvPr/>
-      </p:nvGrpSpPr>
-      <p:grpSpPr>
-        <a:xfrm>
-          <a:off x="0" y="0"/>
-          <a:ext cx="0" cy="0"/>
-          <a:chOff x="0" y="0"/>
-          <a:chExt cx="0" cy="0"/>
-        </a:xfrm>
-      </p:grpSpPr>
-      <p:pic>
-        <p:nvPicPr>
-          <p:cNvPr id="4" name="Picture 3"/>
-          <p:cNvPicPr>
-            <a:picLocks noChangeAspect="1"/>
-          </p:cNvPicPr>
-          <p:nvPr/>
-        </p:nvPicPr>
-        <p:blipFill>
-          <a:blip r:embed="rId2">
-            <a:extLst>
-              <a:ext uri="{28A0092B-C50C-407E-A947-70E740481C1C}">
-                <a14:useLocalDpi xmlns:a14="http://schemas.microsoft.com/office/drawing/2010/main" val="0"/>
-              </a:ext>
-            </a:extLst>
-          </a:blip>
-          <a:stretch>
-            <a:fillRect/>
-          </a:stretch>
-        </p:blipFill>
-        <p:spPr>
-          <a:xfrm>
-            <a:off x="457199" y="381000"/>
-            <a:ext cx="9525001" cy="2954131"/>
-          </a:xfrm>
-          <a:prstGeom prst="rect">
-            <a:avLst/>
-          </a:prstGeom>
-        </p:spPr>
-      </p:pic>
-    </p:spTree>
-    <p:extLst>
-      <p:ext uri="{BB962C8B-B14F-4D97-AF65-F5344CB8AC3E}">
-        <p14:creationId xmlns:p14="http://schemas.microsoft.com/office/powerpoint/2010/main" val="226616920"/>
+        <p14:creationId xmlns:p14="http://schemas.microsoft.com/office/powerpoint/2010/main" val="1549942937"/>
       </p:ext>
     </p:extLst>
   </p:cSld>
@@ -54624,7 +55072,7 @@
 </p:sld>
 </file>
 
-<file path=ppt/slides/slide7.xml><?xml version="1.0" encoding="utf-8"?>
+<file path=ppt/slides/slide6.xml><?xml version="1.0" encoding="utf-8"?>
 <p:sld xmlns:a="http://schemas.openxmlformats.org/drawingml/2006/main" xmlns:r="http://schemas.openxmlformats.org/officeDocument/2006/relationships" xmlns:p="http://schemas.openxmlformats.org/presentationml/2006/main">
   <p:cSld>
     <p:spTree>
@@ -54657,10 +55105,9 @@
           <a:lstStyle/>
           <a:p>
             <a:r>
-              <a:rPr lang="en-US" dirty="0" smtClean="0"/>
+              <a:rPr lang="en-US" dirty="0"/>
               <a:t>Thankyou</a:t>
             </a:r>
-            <a:endParaRPr lang="en-US" dirty="0"/>
           </a:p>
         </p:txBody>
       </p:sp>
@@ -54693,13 +55140,6 @@
   <p:clrMapOvr>
     <a:masterClrMapping/>
   </p:clrMapOvr>
-  <p:timing>
-    <p:tnLst>
-      <p:par>
-        <p:cTn id="1" dur="indefinite" restart="never" nodeType="tmRoot"/>
-      </p:par>
-    </p:tnLst>
-  </p:timing>
 </p:sld>
 </file>
 
@@ -55509,59 +55949,6 @@
 </file>
 
 <file path=customXml/item1.xml><?xml version="1.0" encoding="utf-8"?>
-<p:properties xmlns:p="http://schemas.microsoft.com/office/2006/metadata/properties" xmlns:xsi="http://www.w3.org/2001/XMLSchema-instance" xmlns:pc="http://schemas.microsoft.com/office/infopath/2007/PartnerControls">
-  <documentManagement>
-    <TaxCatchAll xmlns="372e849b-fc60-49fc-88ef-6f6a3a7352cc"/>
-    <LikesCount xmlns="http://schemas.microsoft.com/sharepoint/v3" xsi:nil="true"/>
-    <TaxKeywordTaxHTField xmlns="b7a58cbc-cd1f-4316-8e97-a0bb4c57e2d1">
-      <Terms xmlns="http://schemas.microsoft.com/office/infopath/2007/PartnerControls"/>
-    </TaxKeywordTaxHTField>
-    <Ratings xmlns="http://schemas.microsoft.com/sharepoint/v3">5,5,5,</Ratings>
-    <LikedBy xmlns="http://schemas.microsoft.com/sharepoint/v3">
-      <UserInfo>
-        <DisplayName/>
-        <AccountId xsi:nil="true"/>
-        <AccountType/>
-      </UserInfo>
-    </LikedBy>
-    <PublishingExpirationDate xmlns="http://schemas.microsoft.com/sharepoint/v3" xsi:nil="true"/>
-    <PublishingStartDate xmlns="http://schemas.microsoft.com/sharepoint/v3" xsi:nil="true"/>
-    <ga0bac5639ea43d4a46e5e8979bf3e26 xmlns="7955fe41-16ae-489b-bb6d-2dd9b2d28296">
-      <Terms xmlns="http://schemas.microsoft.com/office/infopath/2007/PartnerControls"/>
-    </ga0bac5639ea43d4a46e5e8979bf3e26>
-    <RatedBy xmlns="http://schemas.microsoft.com/sharepoint/v3">
-      <UserInfo>
-        <DisplayName>Liu, Zhiyong</DisplayName>
-        <AccountId>18584</AccountId>
-        <AccountType/>
-      </UserInfo>
-      <UserInfo>
-        <DisplayName>Singh, Shripal S</DisplayName>
-        <AccountId>28974</AccountId>
-        <AccountType/>
-      </UserInfo>
-      <UserInfo>
-        <DisplayName>i:0#.f|membership|703155383@genpact.com</DisplayName>
-        <AccountId>20463</AccountId>
-        <AccountType/>
-      </UserInfo>
-    </RatedBy>
-    <RatingCount xmlns="http://schemas.microsoft.com/sharepoint/v3">3</RatingCount>
-    <AverageRating xmlns="http://schemas.microsoft.com/sharepoint/v3">5</AverageRating>
-  </documentManagement>
-</p:properties>
-</file>
-
-<file path=customXml/item2.xml><?xml version="1.0" encoding="utf-8"?>
-<?mso-contentType ?>
-<FormTemplates xmlns="http://schemas.microsoft.com/sharepoint/v3/contenttype/forms">
-  <Display>DocumentLibraryForm</Display>
-  <Edit>DocumentLibraryForm</Edit>
-  <New>DocumentLibraryForm</New>
-</FormTemplates>
-</file>
-
-<file path=customXml/item3.xml><?xml version="1.0" encoding="utf-8"?>
 <ct:contentTypeSchema xmlns:ct="http://schemas.microsoft.com/office/2006/metadata/contentType" xmlns:ma="http://schemas.microsoft.com/office/2006/metadata/properties/metaAttributes" ct:_="" ma:_="" ma:contentTypeName="Document" ma:contentTypeID="0x010100FD9387E64A2A4343BD96EB39AF3A92F6" ma:contentTypeVersion="20" ma:contentTypeDescription="Create a new document." ma:contentTypeScope="" ma:versionID="ddc36aca7e0c3b00061819f7b2db0f20">
   <xsd:schema xmlns:xsd="http://www.w3.org/2001/XMLSchema" xmlns:xs="http://www.w3.org/2001/XMLSchema" xmlns:p="http://schemas.microsoft.com/office/2006/metadata/properties" xmlns:ns1="http://schemas.microsoft.com/sharepoint/v3" xmlns:ns2="b7a58cbc-cd1f-4316-8e97-a0bb4c57e2d1" xmlns:ns3="7955fe41-16ae-489b-bb6d-2dd9b2d28296" xmlns:ns4="372e849b-fc60-49fc-88ef-6f6a3a7352cc" targetNamespace="http://schemas.microsoft.com/office/2006/metadata/properties" ma:root="true" ma:fieldsID="612d0f85853634ca7092b11b816b7641" ns1:_="" ns2:_="" ns3:_="" ns4:_="">
     <xsd:import namespace="http://schemas.microsoft.com/sharepoint/v3"/>
@@ -55866,34 +56253,60 @@
 </ct:contentTypeSchema>
 </file>
 
-<file path=customXml/itemProps1.xml><?xml version="1.0" encoding="utf-8"?>
-<ds:datastoreItem xmlns:ds="http://schemas.openxmlformats.org/officeDocument/2006/customXml" ds:itemID="{98FA2156-28A9-401B-AF18-4586E042D708}">
-  <ds:schemaRefs>
-    <ds:schemaRef ds:uri="http://purl.org/dc/dcmitype/"/>
-    <ds:schemaRef ds:uri="http://purl.org/dc/terms/"/>
-    <ds:schemaRef ds:uri="http://schemas.microsoft.com/office/2006/documentManagement/types"/>
-    <ds:schemaRef ds:uri="b7a58cbc-cd1f-4316-8e97-a0bb4c57e2d1"/>
-    <ds:schemaRef ds:uri="http://purl.org/dc/elements/1.1/"/>
-    <ds:schemaRef ds:uri="372e849b-fc60-49fc-88ef-6f6a3a7352cc"/>
-    <ds:schemaRef ds:uri="http://www.w3.org/XML/1998/namespace"/>
-    <ds:schemaRef ds:uri="http://schemas.microsoft.com/office/infopath/2007/PartnerControls"/>
-    <ds:schemaRef ds:uri="http://schemas.openxmlformats.org/package/2006/metadata/core-properties"/>
-    <ds:schemaRef ds:uri="7955fe41-16ae-489b-bb6d-2dd9b2d28296"/>
-    <ds:schemaRef ds:uri="http://schemas.microsoft.com/sharepoint/v3"/>
-    <ds:schemaRef ds:uri="http://schemas.microsoft.com/office/2006/metadata/properties"/>
-  </ds:schemaRefs>
-</ds:datastoreItem>
+<file path=customXml/item2.xml><?xml version="1.0" encoding="utf-8"?>
+<?mso-contentType ?>
+<FormTemplates xmlns="http://schemas.microsoft.com/sharepoint/v3/contenttype/forms">
+  <Display>DocumentLibraryForm</Display>
+  <Edit>DocumentLibraryForm</Edit>
+  <New>DocumentLibraryForm</New>
+</FormTemplates>
 </file>
 
-<file path=customXml/itemProps2.xml><?xml version="1.0" encoding="utf-8"?>
-<ds:datastoreItem xmlns:ds="http://schemas.openxmlformats.org/officeDocument/2006/customXml" ds:itemID="{AF9F5582-2E7C-484E-A056-ED8FF10BDF90}">
-  <ds:schemaRefs>
-    <ds:schemaRef ds:uri="http://schemas.microsoft.com/sharepoint/v3/contenttype/forms"/>
-  </ds:schemaRefs>
-</ds:datastoreItem>
+<file path=customXml/item3.xml><?xml version="1.0" encoding="utf-8"?>
+<p:properties xmlns:p="http://schemas.microsoft.com/office/2006/metadata/properties" xmlns:xsi="http://www.w3.org/2001/XMLSchema-instance" xmlns:pc="http://schemas.microsoft.com/office/infopath/2007/PartnerControls">
+  <documentManagement>
+    <TaxCatchAll xmlns="372e849b-fc60-49fc-88ef-6f6a3a7352cc"/>
+    <LikesCount xmlns="http://schemas.microsoft.com/sharepoint/v3" xsi:nil="true"/>
+    <TaxKeywordTaxHTField xmlns="b7a58cbc-cd1f-4316-8e97-a0bb4c57e2d1">
+      <Terms xmlns="http://schemas.microsoft.com/office/infopath/2007/PartnerControls"/>
+    </TaxKeywordTaxHTField>
+    <Ratings xmlns="http://schemas.microsoft.com/sharepoint/v3">5,5,5,</Ratings>
+    <LikedBy xmlns="http://schemas.microsoft.com/sharepoint/v3">
+      <UserInfo>
+        <DisplayName/>
+        <AccountId xsi:nil="true"/>
+        <AccountType/>
+      </UserInfo>
+    </LikedBy>
+    <PublishingExpirationDate xmlns="http://schemas.microsoft.com/sharepoint/v3" xsi:nil="true"/>
+    <PublishingStartDate xmlns="http://schemas.microsoft.com/sharepoint/v3" xsi:nil="true"/>
+    <ga0bac5639ea43d4a46e5e8979bf3e26 xmlns="7955fe41-16ae-489b-bb6d-2dd9b2d28296">
+      <Terms xmlns="http://schemas.microsoft.com/office/infopath/2007/PartnerControls"/>
+    </ga0bac5639ea43d4a46e5e8979bf3e26>
+    <RatedBy xmlns="http://schemas.microsoft.com/sharepoint/v3">
+      <UserInfo>
+        <DisplayName>Liu, Zhiyong</DisplayName>
+        <AccountId>18584</AccountId>
+        <AccountType/>
+      </UserInfo>
+      <UserInfo>
+        <DisplayName>Singh, Shripal S</DisplayName>
+        <AccountId>28974</AccountId>
+        <AccountType/>
+      </UserInfo>
+      <UserInfo>
+        <DisplayName>i:0#.f|membership|703155383@genpact.com</DisplayName>
+        <AccountId>20463</AccountId>
+        <AccountType/>
+      </UserInfo>
+    </RatedBy>
+    <RatingCount xmlns="http://schemas.microsoft.com/sharepoint/v3">3</RatingCount>
+    <AverageRating xmlns="http://schemas.microsoft.com/sharepoint/v3">5</AverageRating>
+  </documentManagement>
+</p:properties>
 </file>
 
-<file path=customXml/itemProps3.xml><?xml version="1.0" encoding="utf-8"?>
+<file path=customXml/itemProps1.xml><?xml version="1.0" encoding="utf-8"?>
 <ds:datastoreItem xmlns:ds="http://schemas.openxmlformats.org/officeDocument/2006/customXml" ds:itemID="{0C214276-A052-4498-B52A-4217918024A7}">
   <ds:schemaRefs>
     <ds:schemaRef ds:uri="http://schemas.microsoft.com/office/2006/metadata/contentType"/>
@@ -55912,4 +56325,31 @@
     <ds:schemaRef ds:uri="http://schemas.microsoft.com/internal/obd"/>
   </ds:schemaRefs>
 </ds:datastoreItem>
+</file>
+
+<file path=customXml/itemProps2.xml><?xml version="1.0" encoding="utf-8"?>
+<ds:datastoreItem xmlns:ds="http://schemas.openxmlformats.org/officeDocument/2006/customXml" ds:itemID="{AF9F5582-2E7C-484E-A056-ED8FF10BDF90}">
+  <ds:schemaRefs>
+    <ds:schemaRef ds:uri="http://schemas.microsoft.com/sharepoint/v3/contenttype/forms"/>
+  </ds:schemaRefs>
+</ds:datastoreItem>
+</file>
+
+<file path=customXml/itemProps3.xml><?xml version="1.0" encoding="utf-8"?>
+<ds:datastoreItem xmlns:ds="http://schemas.openxmlformats.org/officeDocument/2006/customXml" ds:itemID="{98FA2156-28A9-401B-AF18-4586E042D708}">
+  <ds:schemaRefs>
+    <ds:schemaRef ds:uri="b7a58cbc-cd1f-4316-8e97-a0bb4c57e2d1"/>
+    <ds:schemaRef ds:uri="http://purl.org/dc/terms/"/>
+    <ds:schemaRef ds:uri="http://purl.org/dc/elements/1.1/"/>
+    <ds:schemaRef ds:uri="http://www.w3.org/XML/1998/namespace"/>
+    <ds:schemaRef ds:uri="372e849b-fc60-49fc-88ef-6f6a3a7352cc"/>
+    <ds:schemaRef ds:uri="http://schemas.microsoft.com/office/infopath/2007/PartnerControls"/>
+    <ds:schemaRef ds:uri="http://schemas.openxmlformats.org/package/2006/metadata/core-properties"/>
+    <ds:schemaRef ds:uri="http://schemas.microsoft.com/office/2006/documentManagement/types"/>
+    <ds:schemaRef ds:uri="http://purl.org/dc/dcmitype/"/>
+    <ds:schemaRef ds:uri="7955fe41-16ae-489b-bb6d-2dd9b2d28296"/>
+    <ds:schemaRef ds:uri="http://schemas.microsoft.com/sharepoint/v3"/>
+    <ds:schemaRef ds:uri="http://schemas.microsoft.com/office/2006/metadata/properties"/>
+  </ds:schemaRefs>
+</ds:datastoreItem>
 </file>